--- a/static/draw.pptx
+++ b/static/draw.pptx
@@ -112,6 +112,3219 @@
 </p:presentation>
 </file>
 
+<file path=ppt/diagrams/colors1.xml><?xml version="1.0" encoding="utf-8"?>
+<dgm:colorsDef xmlns:dgm="http://schemas.openxmlformats.org/drawingml/2006/diagram" xmlns:a="http://schemas.openxmlformats.org/drawingml/2006/main" uniqueId="urn:microsoft.com/office/officeart/2005/8/colors/colorful1">
+  <dgm:title val=""/>
+  <dgm:desc val=""/>
+  <dgm:catLst>
+    <dgm:cat type="colorful" pri="10100"/>
+  </dgm:catLst>
+  <dgm:styleLbl name="node0">
+    <dgm:fillClrLst meth="repeat">
+      <a:schemeClr val="accent1"/>
+    </dgm:fillClrLst>
+    <dgm:linClrLst meth="repeat">
+      <a:schemeClr val="lt1"/>
+    </dgm:linClrLst>
+    <dgm:effectClrLst/>
+    <dgm:txLinClrLst/>
+    <dgm:txFillClrLst/>
+    <dgm:txEffectClrLst/>
+  </dgm:styleLbl>
+  <dgm:styleLbl name="node1">
+    <dgm:fillClrLst meth="repeat">
+      <a:schemeClr val="accent2"/>
+      <a:schemeClr val="accent3"/>
+      <a:schemeClr val="accent4"/>
+      <a:schemeClr val="accent5"/>
+      <a:schemeClr val="accent6"/>
+    </dgm:fillClrLst>
+    <dgm:linClrLst meth="repeat">
+      <a:schemeClr val="lt1"/>
+    </dgm:linClrLst>
+    <dgm:effectClrLst/>
+    <dgm:txLinClrLst/>
+    <dgm:txFillClrLst/>
+    <dgm:txEffectClrLst/>
+  </dgm:styleLbl>
+  <dgm:styleLbl name="alignNode1">
+    <dgm:fillClrLst meth="repeat">
+      <a:schemeClr val="accent2"/>
+      <a:schemeClr val="accent3"/>
+      <a:schemeClr val="accent4"/>
+      <a:schemeClr val="accent5"/>
+      <a:schemeClr val="accent6"/>
+    </dgm:fillClrLst>
+    <dgm:linClrLst meth="repeat">
+      <a:schemeClr val="accent2"/>
+      <a:schemeClr val="accent3"/>
+      <a:schemeClr val="accent4"/>
+      <a:schemeClr val="accent5"/>
+      <a:schemeClr val="accent6"/>
+    </dgm:linClrLst>
+    <dgm:effectClrLst/>
+    <dgm:txLinClrLst/>
+    <dgm:txFillClrLst/>
+    <dgm:txEffectClrLst/>
+  </dgm:styleLbl>
+  <dgm:styleLbl name="lnNode1">
+    <dgm:fillClrLst meth="repeat">
+      <a:schemeClr val="accent2"/>
+      <a:schemeClr val="accent3"/>
+      <a:schemeClr val="accent4"/>
+      <a:schemeClr val="accent5"/>
+      <a:schemeClr val="accent6"/>
+    </dgm:fillClrLst>
+    <dgm:linClrLst meth="repeat">
+      <a:schemeClr val="lt1"/>
+    </dgm:linClrLst>
+    <dgm:effectClrLst/>
+    <dgm:txLinClrLst/>
+    <dgm:txFillClrLst/>
+    <dgm:txEffectClrLst/>
+  </dgm:styleLbl>
+  <dgm:styleLbl name="vennNode1">
+    <dgm:fillClrLst meth="repeat">
+      <a:schemeClr val="accent2">
+        <a:alpha val="50000"/>
+      </a:schemeClr>
+      <a:schemeClr val="accent3">
+        <a:alpha val="50000"/>
+      </a:schemeClr>
+      <a:schemeClr val="accent4">
+        <a:alpha val="50000"/>
+      </a:schemeClr>
+      <a:schemeClr val="accent5">
+        <a:alpha val="50000"/>
+      </a:schemeClr>
+      <a:schemeClr val="accent6">
+        <a:alpha val="50000"/>
+      </a:schemeClr>
+    </dgm:fillClrLst>
+    <dgm:linClrLst meth="repeat">
+      <a:schemeClr val="lt1"/>
+    </dgm:linClrLst>
+    <dgm:effectClrLst/>
+    <dgm:txLinClrLst/>
+    <dgm:txFillClrLst/>
+    <dgm:txEffectClrLst/>
+  </dgm:styleLbl>
+  <dgm:styleLbl name="node2">
+    <dgm:fillClrLst>
+      <a:schemeClr val="accent2"/>
+    </dgm:fillClrLst>
+    <dgm:linClrLst meth="repeat">
+      <a:schemeClr val="lt1"/>
+    </dgm:linClrLst>
+    <dgm:effectClrLst/>
+    <dgm:txLinClrLst/>
+    <dgm:txFillClrLst/>
+    <dgm:txEffectClrLst/>
+  </dgm:styleLbl>
+  <dgm:styleLbl name="node3">
+    <dgm:fillClrLst>
+      <a:schemeClr val="accent3"/>
+    </dgm:fillClrLst>
+    <dgm:linClrLst meth="repeat">
+      <a:schemeClr val="lt1"/>
+    </dgm:linClrLst>
+    <dgm:effectClrLst/>
+    <dgm:txLinClrLst/>
+    <dgm:txFillClrLst/>
+    <dgm:txEffectClrLst/>
+  </dgm:styleLbl>
+  <dgm:styleLbl name="node4">
+    <dgm:fillClrLst>
+      <a:schemeClr val="accent4"/>
+    </dgm:fillClrLst>
+    <dgm:linClrLst meth="repeat">
+      <a:schemeClr val="lt1"/>
+    </dgm:linClrLst>
+    <dgm:effectClrLst/>
+    <dgm:txLinClrLst/>
+    <dgm:txFillClrLst/>
+    <dgm:txEffectClrLst/>
+  </dgm:styleLbl>
+  <dgm:styleLbl name="fgImgPlace1">
+    <dgm:fillClrLst meth="repeat">
+      <a:schemeClr val="accent2">
+        <a:tint val="50000"/>
+      </a:schemeClr>
+      <a:schemeClr val="accent3">
+        <a:tint val="50000"/>
+      </a:schemeClr>
+      <a:schemeClr val="accent4">
+        <a:tint val="50000"/>
+      </a:schemeClr>
+      <a:schemeClr val="accent5">
+        <a:tint val="50000"/>
+      </a:schemeClr>
+      <a:schemeClr val="accent6">
+        <a:tint val="50000"/>
+      </a:schemeClr>
+    </dgm:fillClrLst>
+    <dgm:linClrLst meth="repeat">
+      <a:schemeClr val="lt1"/>
+    </dgm:linClrLst>
+    <dgm:effectClrLst/>
+    <dgm:txLinClrLst/>
+    <dgm:txFillClrLst meth="repeat">
+      <a:schemeClr val="lt1"/>
+    </dgm:txFillClrLst>
+    <dgm:txEffectClrLst/>
+  </dgm:styleLbl>
+  <dgm:styleLbl name="alignImgPlace1">
+    <dgm:fillClrLst>
+      <a:schemeClr val="accent1">
+        <a:tint val="50000"/>
+      </a:schemeClr>
+      <a:schemeClr val="accent2">
+        <a:tint val="20000"/>
+      </a:schemeClr>
+    </dgm:fillClrLst>
+    <dgm:linClrLst meth="repeat">
+      <a:schemeClr val="lt1"/>
+    </dgm:linClrLst>
+    <dgm:effectClrLst/>
+    <dgm:txLinClrLst/>
+    <dgm:txFillClrLst meth="repeat">
+      <a:schemeClr val="lt1"/>
+    </dgm:txFillClrLst>
+    <dgm:txEffectClrLst/>
+  </dgm:styleLbl>
+  <dgm:styleLbl name="bgImgPlace1">
+    <dgm:fillClrLst>
+      <a:schemeClr val="accent1">
+        <a:tint val="50000"/>
+      </a:schemeClr>
+      <a:schemeClr val="accent2">
+        <a:tint val="20000"/>
+      </a:schemeClr>
+    </dgm:fillClrLst>
+    <dgm:linClrLst meth="repeat">
+      <a:schemeClr val="lt1"/>
+    </dgm:linClrLst>
+    <dgm:effectClrLst/>
+    <dgm:txLinClrLst/>
+    <dgm:txFillClrLst meth="repeat">
+      <a:schemeClr val="lt1"/>
+    </dgm:txFillClrLst>
+    <dgm:txEffectClrLst/>
+  </dgm:styleLbl>
+  <dgm:styleLbl name="sibTrans2D1">
+    <dgm:fillClrLst meth="repeat">
+      <a:schemeClr val="accent2"/>
+      <a:schemeClr val="accent3"/>
+      <a:schemeClr val="accent4"/>
+      <a:schemeClr val="accent5"/>
+      <a:schemeClr val="accent6"/>
+    </dgm:fillClrLst>
+    <dgm:linClrLst meth="cycle">
+      <a:schemeClr val="lt1"/>
+    </dgm:linClrLst>
+    <dgm:effectClrLst/>
+    <dgm:txLinClrLst/>
+    <dgm:txFillClrLst/>
+    <dgm:txEffectClrLst/>
+  </dgm:styleLbl>
+  <dgm:styleLbl name="fgSibTrans2D1">
+    <dgm:fillClrLst meth="repeat">
+      <a:schemeClr val="accent2"/>
+      <a:schemeClr val="accent3"/>
+      <a:schemeClr val="accent4"/>
+      <a:schemeClr val="accent5"/>
+      <a:schemeClr val="accent6"/>
+    </dgm:fillClrLst>
+    <dgm:linClrLst meth="cycle">
+      <a:schemeClr val="lt1"/>
+    </dgm:linClrLst>
+    <dgm:effectClrLst/>
+    <dgm:txLinClrLst/>
+    <dgm:txFillClrLst meth="repeat">
+      <a:schemeClr val="lt1"/>
+    </dgm:txFillClrLst>
+    <dgm:txEffectClrLst/>
+  </dgm:styleLbl>
+  <dgm:styleLbl name="bgSibTrans2D1">
+    <dgm:fillClrLst meth="repeat">
+      <a:schemeClr val="accent2"/>
+      <a:schemeClr val="accent3"/>
+      <a:schemeClr val="accent4"/>
+      <a:schemeClr val="accent5"/>
+      <a:schemeClr val="accent6"/>
+    </dgm:fillClrLst>
+    <dgm:linClrLst meth="cycle">
+      <a:schemeClr val="lt1"/>
+    </dgm:linClrLst>
+    <dgm:effectClrLst/>
+    <dgm:txLinClrLst/>
+    <dgm:txFillClrLst meth="repeat">
+      <a:schemeClr val="lt1"/>
+    </dgm:txFillClrLst>
+    <dgm:txEffectClrLst/>
+  </dgm:styleLbl>
+  <dgm:styleLbl name="sibTrans1D1">
+    <dgm:fillClrLst meth="repeat">
+      <a:schemeClr val="accent2"/>
+      <a:schemeClr val="accent3"/>
+      <a:schemeClr val="accent4"/>
+      <a:schemeClr val="accent5"/>
+      <a:schemeClr val="accent6"/>
+    </dgm:fillClrLst>
+    <dgm:linClrLst meth="repeat">
+      <a:schemeClr val="accent2"/>
+      <a:schemeClr val="accent3"/>
+      <a:schemeClr val="accent4"/>
+      <a:schemeClr val="accent5"/>
+      <a:schemeClr val="accent6"/>
+    </dgm:linClrLst>
+    <dgm:effectClrLst/>
+    <dgm:txLinClrLst/>
+    <dgm:txFillClrLst meth="repeat">
+      <a:schemeClr val="tx1"/>
+    </dgm:txFillClrLst>
+    <dgm:txEffectClrLst/>
+  </dgm:styleLbl>
+  <dgm:styleLbl name="callout">
+    <dgm:fillClrLst meth="repeat">
+      <a:schemeClr val="accent2"/>
+    </dgm:fillClrLst>
+    <dgm:linClrLst meth="repeat">
+      <a:schemeClr val="accent2">
+        <a:tint val="50000"/>
+      </a:schemeClr>
+    </dgm:linClrLst>
+    <dgm:effectClrLst/>
+    <dgm:txLinClrLst/>
+    <dgm:txFillClrLst meth="repeat">
+      <a:schemeClr val="tx1"/>
+    </dgm:txFillClrLst>
+    <dgm:txEffectClrLst/>
+  </dgm:styleLbl>
+  <dgm:styleLbl name="asst0">
+    <dgm:fillClrLst meth="repeat">
+      <a:schemeClr val="accent1"/>
+    </dgm:fillClrLst>
+    <dgm:linClrLst meth="repeat">
+      <a:schemeClr val="lt1"/>
+    </dgm:linClrLst>
+    <dgm:effectClrLst/>
+    <dgm:txLinClrLst/>
+    <dgm:txFillClrLst/>
+    <dgm:txEffectClrLst/>
+  </dgm:styleLbl>
+  <dgm:styleLbl name="asst1">
+    <dgm:fillClrLst meth="repeat">
+      <a:schemeClr val="accent2"/>
+    </dgm:fillClrLst>
+    <dgm:linClrLst meth="repeat">
+      <a:schemeClr val="lt1"/>
+    </dgm:linClrLst>
+    <dgm:effectClrLst/>
+    <dgm:txLinClrLst/>
+    <dgm:txFillClrLst/>
+    <dgm:txEffectClrLst/>
+  </dgm:styleLbl>
+  <dgm:styleLbl name="asst2">
+    <dgm:fillClrLst>
+      <a:schemeClr val="accent3"/>
+    </dgm:fillClrLst>
+    <dgm:linClrLst meth="repeat">
+      <a:schemeClr val="lt1"/>
+    </dgm:linClrLst>
+    <dgm:effectClrLst/>
+    <dgm:txLinClrLst/>
+    <dgm:txFillClrLst/>
+    <dgm:txEffectClrLst/>
+  </dgm:styleLbl>
+  <dgm:styleLbl name="asst3">
+    <dgm:fillClrLst>
+      <a:schemeClr val="accent4"/>
+    </dgm:fillClrLst>
+    <dgm:linClrLst meth="repeat">
+      <a:schemeClr val="lt1"/>
+    </dgm:linClrLst>
+    <dgm:effectClrLst/>
+    <dgm:txLinClrLst/>
+    <dgm:txFillClrLst/>
+    <dgm:txEffectClrLst/>
+  </dgm:styleLbl>
+  <dgm:styleLbl name="asst4">
+    <dgm:fillClrLst>
+      <a:schemeClr val="accent5"/>
+    </dgm:fillClrLst>
+    <dgm:linClrLst meth="repeat">
+      <a:schemeClr val="lt1"/>
+    </dgm:linClrLst>
+    <dgm:effectClrLst/>
+    <dgm:txLinClrLst/>
+    <dgm:txFillClrLst/>
+    <dgm:txEffectClrLst/>
+  </dgm:styleLbl>
+  <dgm:styleLbl name="parChTrans2D1">
+    <dgm:fillClrLst meth="repeat">
+      <a:schemeClr val="accent2"/>
+    </dgm:fillClrLst>
+    <dgm:linClrLst meth="repeat">
+      <a:schemeClr val="lt1"/>
+    </dgm:linClrLst>
+    <dgm:effectClrLst/>
+    <dgm:txLinClrLst/>
+    <dgm:txFillClrLst meth="repeat">
+      <a:schemeClr val="lt1"/>
+    </dgm:txFillClrLst>
+    <dgm:txEffectClrLst/>
+  </dgm:styleLbl>
+  <dgm:styleLbl name="parChTrans2D2">
+    <dgm:fillClrLst meth="repeat">
+      <a:schemeClr val="accent3"/>
+    </dgm:fillClrLst>
+    <dgm:linClrLst meth="repeat">
+      <a:schemeClr val="lt1"/>
+    </dgm:linClrLst>
+    <dgm:effectClrLst/>
+    <dgm:txLinClrLst/>
+    <dgm:txFillClrLst/>
+    <dgm:txEffectClrLst/>
+  </dgm:styleLbl>
+  <dgm:styleLbl name="parChTrans2D3">
+    <dgm:fillClrLst meth="repeat">
+      <a:schemeClr val="accent4"/>
+    </dgm:fillClrLst>
+    <dgm:linClrLst meth="repeat">
+      <a:schemeClr val="lt1"/>
+    </dgm:linClrLst>
+    <dgm:effectClrLst/>
+    <dgm:txLinClrLst/>
+    <dgm:txFillClrLst/>
+    <dgm:txEffectClrLst/>
+  </dgm:styleLbl>
+  <dgm:styleLbl name="parChTrans2D4">
+    <dgm:fillClrLst meth="repeat">
+      <a:schemeClr val="accent5"/>
+    </dgm:fillClrLst>
+    <dgm:linClrLst meth="repeat">
+      <a:schemeClr val="lt1"/>
+    </dgm:linClrLst>
+    <dgm:effectClrLst/>
+    <dgm:txLinClrLst/>
+    <dgm:txFillClrLst meth="repeat">
+      <a:schemeClr val="lt1"/>
+    </dgm:txFillClrLst>
+    <dgm:txEffectClrLst/>
+  </dgm:styleLbl>
+  <dgm:styleLbl name="parChTrans1D1">
+    <dgm:fillClrLst meth="repeat">
+      <a:schemeClr val="accent2"/>
+    </dgm:fillClrLst>
+    <dgm:linClrLst meth="repeat">
+      <a:schemeClr val="accent1"/>
+    </dgm:linClrLst>
+    <dgm:effectClrLst/>
+    <dgm:txLinClrLst/>
+    <dgm:txFillClrLst meth="repeat">
+      <a:schemeClr val="tx1"/>
+    </dgm:txFillClrLst>
+    <dgm:txEffectClrLst/>
+  </dgm:styleLbl>
+  <dgm:styleLbl name="parChTrans1D2">
+    <dgm:fillClrLst meth="repeat">
+      <a:schemeClr val="accent3">
+        <a:tint val="90000"/>
+      </a:schemeClr>
+    </dgm:fillClrLst>
+    <dgm:linClrLst meth="repeat">
+      <a:schemeClr val="accent2"/>
+    </dgm:linClrLst>
+    <dgm:effectClrLst/>
+    <dgm:txLinClrLst/>
+    <dgm:txFillClrLst meth="repeat">
+      <a:schemeClr val="tx1"/>
+    </dgm:txFillClrLst>
+    <dgm:txEffectClrLst/>
+  </dgm:styleLbl>
+  <dgm:styleLbl name="parChTrans1D3">
+    <dgm:fillClrLst meth="repeat">
+      <a:schemeClr val="accent4">
+        <a:tint val="70000"/>
+      </a:schemeClr>
+    </dgm:fillClrLst>
+    <dgm:linClrLst meth="repeat">
+      <a:schemeClr val="accent3"/>
+    </dgm:linClrLst>
+    <dgm:effectClrLst/>
+    <dgm:txLinClrLst/>
+    <dgm:txFillClrLst meth="repeat">
+      <a:schemeClr val="tx1"/>
+    </dgm:txFillClrLst>
+    <dgm:txEffectClrLst/>
+  </dgm:styleLbl>
+  <dgm:styleLbl name="parChTrans1D4">
+    <dgm:fillClrLst meth="repeat">
+      <a:schemeClr val="accent5">
+        <a:tint val="50000"/>
+      </a:schemeClr>
+    </dgm:fillClrLst>
+    <dgm:linClrLst meth="repeat">
+      <a:schemeClr val="accent4"/>
+    </dgm:linClrLst>
+    <dgm:effectClrLst/>
+    <dgm:txLinClrLst/>
+    <dgm:txFillClrLst meth="repeat">
+      <a:schemeClr val="tx1"/>
+    </dgm:txFillClrLst>
+    <dgm:txEffectClrLst/>
+  </dgm:styleLbl>
+  <dgm:styleLbl name="fgAcc1">
+    <dgm:fillClrLst meth="repeat">
+      <a:schemeClr val="lt1">
+        <a:alpha val="90000"/>
+      </a:schemeClr>
+    </dgm:fillClrLst>
+    <dgm:linClrLst meth="repeat">
+      <a:schemeClr val="accent2"/>
+      <a:schemeClr val="accent3"/>
+      <a:schemeClr val="accent4"/>
+      <a:schemeClr val="accent5"/>
+      <a:schemeClr val="accent6"/>
+    </dgm:linClrLst>
+    <dgm:effectClrLst/>
+    <dgm:txLinClrLst/>
+    <dgm:txFillClrLst meth="repeat">
+      <a:schemeClr val="dk1"/>
+    </dgm:txFillClrLst>
+    <dgm:txEffectClrLst/>
+  </dgm:styleLbl>
+  <dgm:styleLbl name="conFgAcc1">
+    <dgm:fillClrLst meth="repeat">
+      <a:schemeClr val="lt1">
+        <a:alpha val="90000"/>
+      </a:schemeClr>
+    </dgm:fillClrLst>
+    <dgm:linClrLst meth="repeat">
+      <a:schemeClr val="accent2"/>
+      <a:schemeClr val="accent3"/>
+      <a:schemeClr val="accent4"/>
+      <a:schemeClr val="accent5"/>
+      <a:schemeClr val="accent6"/>
+    </dgm:linClrLst>
+    <dgm:effectClrLst/>
+    <dgm:txLinClrLst/>
+    <dgm:txFillClrLst meth="repeat">
+      <a:schemeClr val="dk1"/>
+    </dgm:txFillClrLst>
+    <dgm:txEffectClrLst/>
+  </dgm:styleLbl>
+  <dgm:styleLbl name="alignAcc1">
+    <dgm:fillClrLst meth="repeat">
+      <a:schemeClr val="lt1">
+        <a:alpha val="90000"/>
+      </a:schemeClr>
+    </dgm:fillClrLst>
+    <dgm:linClrLst meth="repeat">
+      <a:schemeClr val="accent2"/>
+      <a:schemeClr val="accent3"/>
+      <a:schemeClr val="accent4"/>
+      <a:schemeClr val="accent5"/>
+      <a:schemeClr val="accent6"/>
+    </dgm:linClrLst>
+    <dgm:effectClrLst/>
+    <dgm:txLinClrLst/>
+    <dgm:txFillClrLst meth="repeat">
+      <a:schemeClr val="dk1"/>
+    </dgm:txFillClrLst>
+    <dgm:txEffectClrLst/>
+  </dgm:styleLbl>
+  <dgm:styleLbl name="trAlignAcc1">
+    <dgm:fillClrLst meth="repeat">
+      <a:schemeClr val="lt1">
+        <a:alpha val="40000"/>
+      </a:schemeClr>
+    </dgm:fillClrLst>
+    <dgm:linClrLst meth="repeat">
+      <a:schemeClr val="accent1"/>
+    </dgm:linClrLst>
+    <dgm:effectClrLst/>
+    <dgm:txLinClrLst/>
+    <dgm:txFillClrLst meth="repeat">
+      <a:schemeClr val="dk1"/>
+    </dgm:txFillClrLst>
+    <dgm:txEffectClrLst/>
+  </dgm:styleLbl>
+  <dgm:styleLbl name="bgAcc1">
+    <dgm:fillClrLst meth="repeat">
+      <a:schemeClr val="lt1">
+        <a:alpha val="90000"/>
+      </a:schemeClr>
+    </dgm:fillClrLst>
+    <dgm:linClrLst meth="repeat">
+      <a:schemeClr val="accent2"/>
+      <a:schemeClr val="accent3"/>
+      <a:schemeClr val="accent4"/>
+      <a:schemeClr val="accent5"/>
+      <a:schemeClr val="accent6"/>
+    </dgm:linClrLst>
+    <dgm:effectClrLst/>
+    <dgm:txLinClrLst/>
+    <dgm:txFillClrLst meth="repeat">
+      <a:schemeClr val="dk1"/>
+    </dgm:txFillClrLst>
+    <dgm:txEffectClrLst/>
+  </dgm:styleLbl>
+  <dgm:styleLbl name="solidFgAcc1">
+    <dgm:fillClrLst meth="repeat">
+      <a:schemeClr val="lt1"/>
+    </dgm:fillClrLst>
+    <dgm:linClrLst meth="repeat">
+      <a:schemeClr val="accent2"/>
+      <a:schemeClr val="accent3"/>
+      <a:schemeClr val="accent4"/>
+      <a:schemeClr val="accent5"/>
+      <a:schemeClr val="accent6"/>
+    </dgm:linClrLst>
+    <dgm:effectClrLst/>
+    <dgm:txLinClrLst/>
+    <dgm:txFillClrLst meth="repeat">
+      <a:schemeClr val="dk1"/>
+    </dgm:txFillClrLst>
+    <dgm:txEffectClrLst/>
+  </dgm:styleLbl>
+  <dgm:styleLbl name="solidAlignAcc1">
+    <dgm:fillClrLst meth="repeat">
+      <a:schemeClr val="lt1"/>
+    </dgm:fillClrLst>
+    <dgm:linClrLst meth="repeat">
+      <a:schemeClr val="accent2"/>
+      <a:schemeClr val="accent3"/>
+      <a:schemeClr val="accent4"/>
+      <a:schemeClr val="accent5"/>
+      <a:schemeClr val="accent6"/>
+    </dgm:linClrLst>
+    <dgm:effectClrLst/>
+    <dgm:txLinClrLst/>
+    <dgm:txFillClrLst meth="repeat">
+      <a:schemeClr val="dk1"/>
+    </dgm:txFillClrLst>
+    <dgm:txEffectClrLst/>
+  </dgm:styleLbl>
+  <dgm:styleLbl name="solidBgAcc1">
+    <dgm:fillClrLst meth="repeat">
+      <a:schemeClr val="lt1"/>
+    </dgm:fillClrLst>
+    <dgm:linClrLst meth="repeat">
+      <a:schemeClr val="accent2"/>
+      <a:schemeClr val="accent3"/>
+      <a:schemeClr val="accent4"/>
+      <a:schemeClr val="accent5"/>
+      <a:schemeClr val="accent6"/>
+    </dgm:linClrLst>
+    <dgm:effectClrLst/>
+    <dgm:txLinClrLst/>
+    <dgm:txFillClrLst meth="repeat">
+      <a:schemeClr val="dk1"/>
+    </dgm:txFillClrLst>
+    <dgm:txEffectClrLst/>
+  </dgm:styleLbl>
+  <dgm:styleLbl name="fgAccFollowNode1">
+    <dgm:fillClrLst meth="repeat">
+      <a:schemeClr val="accent2">
+        <a:tint val="40000"/>
+        <a:alpha val="90000"/>
+      </a:schemeClr>
+      <a:schemeClr val="accent3">
+        <a:tint val="40000"/>
+        <a:alpha val="90000"/>
+      </a:schemeClr>
+      <a:schemeClr val="accent4">
+        <a:tint val="40000"/>
+        <a:alpha val="90000"/>
+      </a:schemeClr>
+      <a:schemeClr val="accent5">
+        <a:tint val="40000"/>
+        <a:alpha val="90000"/>
+      </a:schemeClr>
+      <a:schemeClr val="accent6">
+        <a:tint val="40000"/>
+        <a:alpha val="90000"/>
+      </a:schemeClr>
+    </dgm:fillClrLst>
+    <dgm:linClrLst meth="repeat">
+      <a:schemeClr val="accent2">
+        <a:tint val="40000"/>
+        <a:alpha val="90000"/>
+      </a:schemeClr>
+      <a:schemeClr val="accent3">
+        <a:tint val="40000"/>
+        <a:alpha val="90000"/>
+      </a:schemeClr>
+      <a:schemeClr val="accent4">
+        <a:tint val="40000"/>
+        <a:alpha val="90000"/>
+      </a:schemeClr>
+      <a:schemeClr val="accent5">
+        <a:tint val="40000"/>
+        <a:alpha val="90000"/>
+      </a:schemeClr>
+      <a:schemeClr val="accent6">
+        <a:tint val="40000"/>
+        <a:alpha val="90000"/>
+      </a:schemeClr>
+    </dgm:linClrLst>
+    <dgm:effectClrLst/>
+    <dgm:txLinClrLst/>
+    <dgm:txFillClrLst meth="repeat">
+      <a:schemeClr val="dk1"/>
+    </dgm:txFillClrLst>
+    <dgm:txEffectClrLst/>
+  </dgm:styleLbl>
+  <dgm:styleLbl name="alignAccFollowNode1">
+    <dgm:fillClrLst meth="repeat">
+      <a:schemeClr val="accent2">
+        <a:tint val="40000"/>
+        <a:alpha val="90000"/>
+      </a:schemeClr>
+      <a:schemeClr val="accent3">
+        <a:tint val="40000"/>
+        <a:alpha val="90000"/>
+      </a:schemeClr>
+      <a:schemeClr val="accent4">
+        <a:tint val="40000"/>
+        <a:alpha val="90000"/>
+      </a:schemeClr>
+      <a:schemeClr val="accent5">
+        <a:tint val="40000"/>
+        <a:alpha val="90000"/>
+      </a:schemeClr>
+      <a:schemeClr val="accent6">
+        <a:tint val="40000"/>
+        <a:alpha val="90000"/>
+      </a:schemeClr>
+    </dgm:fillClrLst>
+    <dgm:linClrLst meth="repeat">
+      <a:schemeClr val="accent2">
+        <a:tint val="40000"/>
+        <a:alpha val="90000"/>
+      </a:schemeClr>
+      <a:schemeClr val="accent3">
+        <a:tint val="40000"/>
+        <a:alpha val="90000"/>
+      </a:schemeClr>
+      <a:schemeClr val="accent4">
+        <a:tint val="40000"/>
+        <a:alpha val="90000"/>
+      </a:schemeClr>
+      <a:schemeClr val="accent5">
+        <a:tint val="40000"/>
+        <a:alpha val="90000"/>
+      </a:schemeClr>
+      <a:schemeClr val="accent6">
+        <a:tint val="40000"/>
+        <a:alpha val="90000"/>
+      </a:schemeClr>
+    </dgm:linClrLst>
+    <dgm:effectClrLst/>
+    <dgm:txLinClrLst/>
+    <dgm:txFillClrLst meth="repeat">
+      <a:schemeClr val="dk1"/>
+    </dgm:txFillClrLst>
+    <dgm:txEffectClrLst/>
+  </dgm:styleLbl>
+  <dgm:styleLbl name="bgAccFollowNode1">
+    <dgm:fillClrLst meth="repeat">
+      <a:schemeClr val="accent2">
+        <a:tint val="40000"/>
+        <a:alpha val="90000"/>
+      </a:schemeClr>
+      <a:schemeClr val="accent3">
+        <a:tint val="40000"/>
+        <a:alpha val="90000"/>
+      </a:schemeClr>
+      <a:schemeClr val="accent4">
+        <a:tint val="40000"/>
+        <a:alpha val="90000"/>
+      </a:schemeClr>
+      <a:schemeClr val="accent5">
+        <a:tint val="40000"/>
+        <a:alpha val="90000"/>
+      </a:schemeClr>
+      <a:schemeClr val="accent6">
+        <a:tint val="40000"/>
+        <a:alpha val="90000"/>
+      </a:schemeClr>
+    </dgm:fillClrLst>
+    <dgm:linClrLst meth="repeat">
+      <a:schemeClr val="accent2">
+        <a:tint val="40000"/>
+        <a:alpha val="90000"/>
+      </a:schemeClr>
+      <a:schemeClr val="accent3">
+        <a:tint val="40000"/>
+        <a:alpha val="90000"/>
+      </a:schemeClr>
+      <a:schemeClr val="accent4">
+        <a:tint val="40000"/>
+        <a:alpha val="90000"/>
+      </a:schemeClr>
+      <a:schemeClr val="accent5">
+        <a:tint val="40000"/>
+        <a:alpha val="90000"/>
+      </a:schemeClr>
+      <a:schemeClr val="accent6">
+        <a:tint val="40000"/>
+        <a:alpha val="90000"/>
+      </a:schemeClr>
+    </dgm:linClrLst>
+    <dgm:effectClrLst/>
+    <dgm:txLinClrLst/>
+    <dgm:txFillClrLst meth="repeat">
+      <a:schemeClr val="dk1"/>
+    </dgm:txFillClrLst>
+    <dgm:txEffectClrLst/>
+  </dgm:styleLbl>
+  <dgm:styleLbl name="fgAcc0">
+    <dgm:fillClrLst meth="repeat">
+      <a:schemeClr val="lt1">
+        <a:alpha val="90000"/>
+      </a:schemeClr>
+    </dgm:fillClrLst>
+    <dgm:linClrLst>
+      <a:schemeClr val="accent1"/>
+    </dgm:linClrLst>
+    <dgm:effectClrLst/>
+    <dgm:txLinClrLst/>
+    <dgm:txFillClrLst meth="repeat">
+      <a:schemeClr val="dk1"/>
+    </dgm:txFillClrLst>
+    <dgm:txEffectClrLst/>
+  </dgm:styleLbl>
+  <dgm:styleLbl name="fgAcc2">
+    <dgm:fillClrLst meth="repeat">
+      <a:schemeClr val="lt1">
+        <a:alpha val="90000"/>
+      </a:schemeClr>
+    </dgm:fillClrLst>
+    <dgm:linClrLst>
+      <a:schemeClr val="accent2"/>
+    </dgm:linClrLst>
+    <dgm:effectClrLst/>
+    <dgm:txLinClrLst/>
+    <dgm:txFillClrLst meth="repeat">
+      <a:schemeClr val="dk1"/>
+    </dgm:txFillClrLst>
+    <dgm:txEffectClrLst/>
+  </dgm:styleLbl>
+  <dgm:styleLbl name="fgAcc3">
+    <dgm:fillClrLst meth="repeat">
+      <a:schemeClr val="lt1">
+        <a:alpha val="90000"/>
+      </a:schemeClr>
+    </dgm:fillClrLst>
+    <dgm:linClrLst>
+      <a:schemeClr val="accent3"/>
+    </dgm:linClrLst>
+    <dgm:effectClrLst/>
+    <dgm:txLinClrLst/>
+    <dgm:txFillClrLst meth="repeat">
+      <a:schemeClr val="dk1"/>
+    </dgm:txFillClrLst>
+    <dgm:txEffectClrLst/>
+  </dgm:styleLbl>
+  <dgm:styleLbl name="fgAcc4">
+    <dgm:fillClrLst meth="repeat">
+      <a:schemeClr val="lt1">
+        <a:alpha val="90000"/>
+      </a:schemeClr>
+    </dgm:fillClrLst>
+    <dgm:linClrLst>
+      <a:schemeClr val="accent4"/>
+    </dgm:linClrLst>
+    <dgm:effectClrLst/>
+    <dgm:txLinClrLst/>
+    <dgm:txFillClrLst meth="repeat">
+      <a:schemeClr val="dk1"/>
+    </dgm:txFillClrLst>
+    <dgm:txEffectClrLst/>
+  </dgm:styleLbl>
+  <dgm:styleLbl name="bgShp">
+    <dgm:fillClrLst meth="repeat">
+      <a:schemeClr val="accent2">
+        <a:tint val="40000"/>
+      </a:schemeClr>
+    </dgm:fillClrLst>
+    <dgm:linClrLst meth="repeat">
+      <a:schemeClr val="dk1"/>
+    </dgm:linClrLst>
+    <dgm:effectClrLst/>
+    <dgm:txLinClrLst/>
+    <dgm:txFillClrLst meth="repeat">
+      <a:schemeClr val="dk1"/>
+    </dgm:txFillClrLst>
+    <dgm:txEffectClrLst/>
+  </dgm:styleLbl>
+  <dgm:styleLbl name="dkBgShp">
+    <dgm:fillClrLst meth="repeat">
+      <a:schemeClr val="accent2">
+        <a:shade val="90000"/>
+      </a:schemeClr>
+    </dgm:fillClrLst>
+    <dgm:linClrLst meth="repeat">
+      <a:schemeClr val="dk1"/>
+    </dgm:linClrLst>
+    <dgm:effectClrLst/>
+    <dgm:txLinClrLst/>
+    <dgm:txFillClrLst meth="repeat">
+      <a:schemeClr val="lt1"/>
+    </dgm:txFillClrLst>
+    <dgm:txEffectClrLst/>
+  </dgm:styleLbl>
+  <dgm:styleLbl name="trBgShp">
+    <dgm:fillClrLst meth="repeat">
+      <a:schemeClr val="accent1">
+        <a:tint val="50000"/>
+        <a:alpha val="40000"/>
+      </a:schemeClr>
+    </dgm:fillClrLst>
+    <dgm:linClrLst meth="repeat">
+      <a:schemeClr val="accent2"/>
+    </dgm:linClrLst>
+    <dgm:effectClrLst/>
+    <dgm:txLinClrLst/>
+    <dgm:txFillClrLst meth="repeat">
+      <a:schemeClr val="lt1"/>
+    </dgm:txFillClrLst>
+    <dgm:txEffectClrLst/>
+  </dgm:styleLbl>
+  <dgm:styleLbl name="fgShp">
+    <dgm:fillClrLst meth="repeat">
+      <a:schemeClr val="accent2">
+        <a:tint val="40000"/>
+      </a:schemeClr>
+    </dgm:fillClrLst>
+    <dgm:linClrLst meth="repeat">
+      <a:schemeClr val="lt1"/>
+    </dgm:linClrLst>
+    <dgm:effectClrLst/>
+    <dgm:txLinClrLst/>
+    <dgm:txFillClrLst meth="repeat">
+      <a:schemeClr val="dk1"/>
+    </dgm:txFillClrLst>
+    <dgm:txEffectClrLst/>
+  </dgm:styleLbl>
+  <dgm:styleLbl name="revTx">
+    <dgm:fillClrLst meth="repeat">
+      <a:schemeClr val="lt1">
+        <a:alpha val="0"/>
+      </a:schemeClr>
+    </dgm:fillClrLst>
+    <dgm:linClrLst meth="repeat">
+      <a:schemeClr val="dk1">
+        <a:alpha val="0"/>
+      </a:schemeClr>
+    </dgm:linClrLst>
+    <dgm:effectClrLst/>
+    <dgm:txLinClrLst/>
+    <dgm:txFillClrLst meth="repeat">
+      <a:schemeClr val="tx1"/>
+    </dgm:txFillClrLst>
+    <dgm:txEffectClrLst/>
+  </dgm:styleLbl>
+</dgm:colorsDef>
+</file>
+
+<file path=ppt/diagrams/data1.xml><?xml version="1.0" encoding="utf-8"?>
+<dgm:dataModel xmlns:dgm="http://schemas.openxmlformats.org/drawingml/2006/diagram" xmlns:a="http://schemas.openxmlformats.org/drawingml/2006/main">
+  <dgm:ptLst>
+    <dgm:pt modelId="{1979FC38-B443-4A40-A7CC-CA047E9078FD}" type="doc">
+      <dgm:prSet loTypeId="urn:microsoft.com/office/officeart/2005/8/layout/cycle1" loCatId="" qsTypeId="urn:microsoft.com/office/officeart/2005/8/quickstyle/simple5" qsCatId="simple" csTypeId="urn:microsoft.com/office/officeart/2005/8/colors/colorful1" csCatId="colorful" phldr="1"/>
+      <dgm:spPr/>
+      <dgm:t>
+        <a:bodyPr/>
+        <a:lstStyle/>
+        <a:p>
+          <a:endParaRPr lang="en-US"/>
+        </a:p>
+      </dgm:t>
+    </dgm:pt>
+    <dgm:pt modelId="{F549582C-C99D-7545-9B26-75BAAAE4B41F}">
+      <dgm:prSet phldrT="[Text]" custT="1"/>
+      <dgm:spPr/>
+      <dgm:t>
+        <a:bodyPr/>
+        <a:lstStyle/>
+        <a:p>
+          <a:r>
+            <a:rPr lang="en-US" sz="1200" b="1" dirty="0"/>
+            <a:t>Storage</a:t>
+          </a:r>
+          <a:endParaRPr lang="en-US" sz="900" b="1" dirty="0"/>
+        </a:p>
+      </dgm:t>
+    </dgm:pt>
+    <dgm:pt modelId="{8384F724-84D3-814C-AA65-0B926E844360}" type="parTrans" cxnId="{788F7C93-CBA4-9740-8B43-A4FF1B4EA224}">
+      <dgm:prSet/>
+      <dgm:spPr/>
+      <dgm:t>
+        <a:bodyPr/>
+        <a:lstStyle/>
+        <a:p>
+          <a:endParaRPr lang="en-US"/>
+        </a:p>
+      </dgm:t>
+    </dgm:pt>
+    <dgm:pt modelId="{99A1C0B8-0EE5-A94A-AA72-2B9C45DE243A}" type="sibTrans" cxnId="{788F7C93-CBA4-9740-8B43-A4FF1B4EA224}">
+      <dgm:prSet/>
+      <dgm:spPr/>
+      <dgm:t>
+        <a:bodyPr/>
+        <a:lstStyle/>
+        <a:p>
+          <a:endParaRPr lang="en-US"/>
+        </a:p>
+      </dgm:t>
+    </dgm:pt>
+    <dgm:pt modelId="{624E6D92-905D-464F-A2D6-BA0AB5CD12FF}">
+      <dgm:prSet phldrT="[Text]" custT="1"/>
+      <dgm:spPr/>
+      <dgm:t>
+        <a:bodyPr/>
+        <a:lstStyle/>
+        <a:p>
+          <a:r>
+            <a:rPr lang="en-US" sz="1200" b="1" dirty="0"/>
+            <a:t>Communication</a:t>
+          </a:r>
+          <a:endParaRPr lang="en-US" sz="1800" b="1" dirty="0"/>
+        </a:p>
+      </dgm:t>
+    </dgm:pt>
+    <dgm:pt modelId="{3062BCEE-872C-6E4D-96A0-331EA58505E8}" type="parTrans" cxnId="{C661D1F8-FF7E-9148-A855-355635FF26FF}">
+      <dgm:prSet/>
+      <dgm:spPr/>
+      <dgm:t>
+        <a:bodyPr/>
+        <a:lstStyle/>
+        <a:p>
+          <a:endParaRPr lang="en-US"/>
+        </a:p>
+      </dgm:t>
+    </dgm:pt>
+    <dgm:pt modelId="{B2ABF9D5-F0DC-7D41-829F-EB8FB08DC824}" type="sibTrans" cxnId="{C661D1F8-FF7E-9148-A855-355635FF26FF}">
+      <dgm:prSet/>
+      <dgm:spPr/>
+      <dgm:t>
+        <a:bodyPr/>
+        <a:lstStyle/>
+        <a:p>
+          <a:endParaRPr lang="en-US"/>
+        </a:p>
+      </dgm:t>
+    </dgm:pt>
+    <dgm:pt modelId="{F94C678F-A660-C74C-A465-64C4168CD90A}">
+      <dgm:prSet phldrT="[Text]" custT="1"/>
+      <dgm:spPr/>
+      <dgm:t>
+        <a:bodyPr/>
+        <a:lstStyle/>
+        <a:p>
+          <a:r>
+            <a:rPr lang="en-US" sz="1200" b="1" dirty="0"/>
+            <a:t>Computation</a:t>
+          </a:r>
+          <a:endParaRPr lang="en-US" sz="900" b="1" dirty="0"/>
+        </a:p>
+      </dgm:t>
+    </dgm:pt>
+    <dgm:pt modelId="{184BA6AE-07BF-A846-AC89-69E7158FE89B}" type="parTrans" cxnId="{54836B2E-C587-434C-9122-E87702F79352}">
+      <dgm:prSet/>
+      <dgm:spPr/>
+      <dgm:t>
+        <a:bodyPr/>
+        <a:lstStyle/>
+        <a:p>
+          <a:endParaRPr lang="en-US"/>
+        </a:p>
+      </dgm:t>
+    </dgm:pt>
+    <dgm:pt modelId="{D9AA61A4-C540-EC4D-9BD7-2A839456400A}" type="sibTrans" cxnId="{54836B2E-C587-434C-9122-E87702F79352}">
+      <dgm:prSet/>
+      <dgm:spPr/>
+      <dgm:t>
+        <a:bodyPr/>
+        <a:lstStyle/>
+        <a:p>
+          <a:endParaRPr lang="en-US"/>
+        </a:p>
+      </dgm:t>
+    </dgm:pt>
+    <dgm:pt modelId="{202625FF-69EF-064F-8740-6ACBBE94271A}">
+      <dgm:prSet phldrT="[Text]" custT="1"/>
+      <dgm:spPr/>
+      <dgm:t>
+        <a:bodyPr/>
+        <a:lstStyle/>
+        <a:p>
+          <a:r>
+            <a:rPr lang="en-US" sz="1200" b="1" dirty="0"/>
+            <a:t>Analysis</a:t>
+          </a:r>
+        </a:p>
+      </dgm:t>
+    </dgm:pt>
+    <dgm:pt modelId="{B749018F-8880-F948-98BE-3AE483CB8622}" type="parTrans" cxnId="{E4B07A3F-861B-CB4F-837B-E52F95649A91}">
+      <dgm:prSet/>
+      <dgm:spPr/>
+      <dgm:t>
+        <a:bodyPr/>
+        <a:lstStyle/>
+        <a:p>
+          <a:endParaRPr lang="en-US"/>
+        </a:p>
+      </dgm:t>
+    </dgm:pt>
+    <dgm:pt modelId="{946D145B-7843-2542-B153-50D03C6AB56B}" type="sibTrans" cxnId="{E4B07A3F-861B-CB4F-837B-E52F95649A91}">
+      <dgm:prSet/>
+      <dgm:spPr/>
+      <dgm:t>
+        <a:bodyPr/>
+        <a:lstStyle/>
+        <a:p>
+          <a:endParaRPr lang="en-US"/>
+        </a:p>
+      </dgm:t>
+    </dgm:pt>
+    <dgm:pt modelId="{06094591-8065-A54F-A058-FFC49B8F045B}">
+      <dgm:prSet phldrT="[Text]" custT="1"/>
+      <dgm:spPr/>
+      <dgm:t>
+        <a:bodyPr/>
+        <a:lstStyle/>
+        <a:p>
+          <a:r>
+            <a:rPr lang="en-US" sz="1200" b="1" dirty="0"/>
+            <a:t>Pre-processing</a:t>
+          </a:r>
+          <a:endParaRPr lang="en-US" sz="900" b="1" dirty="0"/>
+        </a:p>
+      </dgm:t>
+    </dgm:pt>
+    <dgm:pt modelId="{12FE7C87-4940-EA4C-8CFA-C403983620A0}" type="parTrans" cxnId="{73418D13-959D-1948-9243-DF376A8C4B7B}">
+      <dgm:prSet/>
+      <dgm:spPr/>
+      <dgm:t>
+        <a:bodyPr/>
+        <a:lstStyle/>
+        <a:p>
+          <a:endParaRPr lang="en-US"/>
+        </a:p>
+      </dgm:t>
+    </dgm:pt>
+    <dgm:pt modelId="{63FB1B41-0C83-E944-B34C-44E57820D7D4}" type="sibTrans" cxnId="{73418D13-959D-1948-9243-DF376A8C4B7B}">
+      <dgm:prSet/>
+      <dgm:spPr/>
+      <dgm:t>
+        <a:bodyPr/>
+        <a:lstStyle/>
+        <a:p>
+          <a:endParaRPr lang="en-US"/>
+        </a:p>
+      </dgm:t>
+    </dgm:pt>
+    <dgm:pt modelId="{E3807F46-160C-7641-B439-902184B64921}" type="pres">
+      <dgm:prSet presAssocID="{1979FC38-B443-4A40-A7CC-CA047E9078FD}" presName="cycle" presStyleCnt="0">
+        <dgm:presLayoutVars>
+          <dgm:dir/>
+          <dgm:resizeHandles val="exact"/>
+        </dgm:presLayoutVars>
+      </dgm:prSet>
+      <dgm:spPr/>
+    </dgm:pt>
+    <dgm:pt modelId="{85BF1764-12EE-5D4C-AE68-E975DFEBB18C}" type="pres">
+      <dgm:prSet presAssocID="{F549582C-C99D-7545-9B26-75BAAAE4B41F}" presName="dummy" presStyleCnt="0"/>
+      <dgm:spPr/>
+    </dgm:pt>
+    <dgm:pt modelId="{939F66F5-B38D-3247-ABDC-2D4B036CE55C}" type="pres">
+      <dgm:prSet presAssocID="{F549582C-C99D-7545-9B26-75BAAAE4B41F}" presName="node" presStyleLbl="revTx" presStyleIdx="0" presStyleCnt="5">
+        <dgm:presLayoutVars>
+          <dgm:bulletEnabled val="1"/>
+        </dgm:presLayoutVars>
+      </dgm:prSet>
+      <dgm:spPr/>
+    </dgm:pt>
+    <dgm:pt modelId="{F5F4A613-BF39-7144-A22F-2663BB992612}" type="pres">
+      <dgm:prSet presAssocID="{99A1C0B8-0EE5-A94A-AA72-2B9C45DE243A}" presName="sibTrans" presStyleLbl="node1" presStyleIdx="0" presStyleCnt="5"/>
+      <dgm:spPr/>
+    </dgm:pt>
+    <dgm:pt modelId="{C16F5336-4764-F746-9E4C-8888B2A1F1D3}" type="pres">
+      <dgm:prSet presAssocID="{624E6D92-905D-464F-A2D6-BA0AB5CD12FF}" presName="dummy" presStyleCnt="0"/>
+      <dgm:spPr/>
+    </dgm:pt>
+    <dgm:pt modelId="{B7219390-49A5-F844-8853-CDD77F748E19}" type="pres">
+      <dgm:prSet presAssocID="{624E6D92-905D-464F-A2D6-BA0AB5CD12FF}" presName="node" presStyleLbl="revTx" presStyleIdx="1" presStyleCnt="5" custScaleX="165413">
+        <dgm:presLayoutVars>
+          <dgm:bulletEnabled val="1"/>
+        </dgm:presLayoutVars>
+      </dgm:prSet>
+      <dgm:spPr/>
+    </dgm:pt>
+    <dgm:pt modelId="{14A9A9EB-CB48-2A41-AFA1-70566062BF90}" type="pres">
+      <dgm:prSet presAssocID="{B2ABF9D5-F0DC-7D41-829F-EB8FB08DC824}" presName="sibTrans" presStyleLbl="node1" presStyleIdx="1" presStyleCnt="5" custLinFactNeighborX="5235" custLinFactNeighborY="-1690"/>
+      <dgm:spPr/>
+    </dgm:pt>
+    <dgm:pt modelId="{CC2D62DE-DFCE-B448-AB6B-AA52A79AE3FF}" type="pres">
+      <dgm:prSet presAssocID="{F94C678F-A660-C74C-A465-64C4168CD90A}" presName="dummy" presStyleCnt="0"/>
+      <dgm:spPr/>
+    </dgm:pt>
+    <dgm:pt modelId="{4CC2FC71-FE0C-6A41-97BE-6667063094DB}" type="pres">
+      <dgm:prSet presAssocID="{F94C678F-A660-C74C-A465-64C4168CD90A}" presName="node" presStyleLbl="revTx" presStyleIdx="2" presStyleCnt="5" custScaleX="160943">
+        <dgm:presLayoutVars>
+          <dgm:bulletEnabled val="1"/>
+        </dgm:presLayoutVars>
+      </dgm:prSet>
+      <dgm:spPr/>
+    </dgm:pt>
+    <dgm:pt modelId="{1BA41624-042A-5949-8DE3-22A9AD4A9603}" type="pres">
+      <dgm:prSet presAssocID="{D9AA61A4-C540-EC4D-9BD7-2A839456400A}" presName="sibTrans" presStyleLbl="node1" presStyleIdx="2" presStyleCnt="5" custLinFactNeighborX="-4336" custLinFactNeighborY="665"/>
+      <dgm:spPr/>
+    </dgm:pt>
+    <dgm:pt modelId="{5542602B-3F9D-464A-B0F5-3499A04031B4}" type="pres">
+      <dgm:prSet presAssocID="{202625FF-69EF-064F-8740-6ACBBE94271A}" presName="dummy" presStyleCnt="0"/>
+      <dgm:spPr/>
+    </dgm:pt>
+    <dgm:pt modelId="{ADC261BE-2E20-4247-AFB5-7FCC7A25D2AA}" type="pres">
+      <dgm:prSet presAssocID="{202625FF-69EF-064F-8740-6ACBBE94271A}" presName="node" presStyleLbl="revTx" presStyleIdx="3" presStyleCnt="5" custScaleX="129760">
+        <dgm:presLayoutVars>
+          <dgm:bulletEnabled val="1"/>
+        </dgm:presLayoutVars>
+      </dgm:prSet>
+      <dgm:spPr/>
+    </dgm:pt>
+    <dgm:pt modelId="{74FA9EB7-E3AF-5740-81AA-2C06CDED22EF}" type="pres">
+      <dgm:prSet presAssocID="{946D145B-7843-2542-B153-50D03C6AB56B}" presName="sibTrans" presStyleLbl="node1" presStyleIdx="3" presStyleCnt="5"/>
+      <dgm:spPr/>
+    </dgm:pt>
+    <dgm:pt modelId="{255D44DA-03A7-5E43-9989-00D69F8850DF}" type="pres">
+      <dgm:prSet presAssocID="{06094591-8065-A54F-A058-FFC49B8F045B}" presName="dummy" presStyleCnt="0"/>
+      <dgm:spPr/>
+    </dgm:pt>
+    <dgm:pt modelId="{2AF6A8D5-CE4C-EA47-A6A0-B185CD6441C9}" type="pres">
+      <dgm:prSet presAssocID="{06094591-8065-A54F-A058-FFC49B8F045B}" presName="node" presStyleLbl="revTx" presStyleIdx="4" presStyleCnt="5" custScaleX="135043">
+        <dgm:presLayoutVars>
+          <dgm:bulletEnabled val="1"/>
+        </dgm:presLayoutVars>
+      </dgm:prSet>
+      <dgm:spPr/>
+    </dgm:pt>
+    <dgm:pt modelId="{AF0F62C1-BF76-AE44-9D3F-C08832E3B3A8}" type="pres">
+      <dgm:prSet presAssocID="{63FB1B41-0C83-E944-B34C-44E57820D7D4}" presName="sibTrans" presStyleLbl="node1" presStyleIdx="4" presStyleCnt="5"/>
+      <dgm:spPr/>
+    </dgm:pt>
+  </dgm:ptLst>
+  <dgm:cxnLst>
+    <dgm:cxn modelId="{F140D905-C717-5341-ABEB-58DD30F20996}" type="presOf" srcId="{624E6D92-905D-464F-A2D6-BA0AB5CD12FF}" destId="{B7219390-49A5-F844-8853-CDD77F748E19}" srcOrd="0" destOrd="0" presId="urn:microsoft.com/office/officeart/2005/8/layout/cycle1"/>
+    <dgm:cxn modelId="{62995C06-9C08-E946-9726-223605EEF386}" type="presOf" srcId="{F94C678F-A660-C74C-A465-64C4168CD90A}" destId="{4CC2FC71-FE0C-6A41-97BE-6667063094DB}" srcOrd="0" destOrd="0" presId="urn:microsoft.com/office/officeart/2005/8/layout/cycle1"/>
+    <dgm:cxn modelId="{95C9990E-2975-E14F-8240-70021CE9C3BB}" type="presOf" srcId="{F549582C-C99D-7545-9B26-75BAAAE4B41F}" destId="{939F66F5-B38D-3247-ABDC-2D4B036CE55C}" srcOrd="0" destOrd="0" presId="urn:microsoft.com/office/officeart/2005/8/layout/cycle1"/>
+    <dgm:cxn modelId="{73418D13-959D-1948-9243-DF376A8C4B7B}" srcId="{1979FC38-B443-4A40-A7CC-CA047E9078FD}" destId="{06094591-8065-A54F-A058-FFC49B8F045B}" srcOrd="4" destOrd="0" parTransId="{12FE7C87-4940-EA4C-8CFA-C403983620A0}" sibTransId="{63FB1B41-0C83-E944-B34C-44E57820D7D4}"/>
+    <dgm:cxn modelId="{54836B2E-C587-434C-9122-E87702F79352}" srcId="{1979FC38-B443-4A40-A7CC-CA047E9078FD}" destId="{F94C678F-A660-C74C-A465-64C4168CD90A}" srcOrd="2" destOrd="0" parTransId="{184BA6AE-07BF-A846-AC89-69E7158FE89B}" sibTransId="{D9AA61A4-C540-EC4D-9BD7-2A839456400A}"/>
+    <dgm:cxn modelId="{1ED4172F-2705-944D-9BDB-844BC65FE48C}" type="presOf" srcId="{1979FC38-B443-4A40-A7CC-CA047E9078FD}" destId="{E3807F46-160C-7641-B439-902184B64921}" srcOrd="0" destOrd="0" presId="urn:microsoft.com/office/officeart/2005/8/layout/cycle1"/>
+    <dgm:cxn modelId="{E4B07A3F-861B-CB4F-837B-E52F95649A91}" srcId="{1979FC38-B443-4A40-A7CC-CA047E9078FD}" destId="{202625FF-69EF-064F-8740-6ACBBE94271A}" srcOrd="3" destOrd="0" parTransId="{B749018F-8880-F948-98BE-3AE483CB8622}" sibTransId="{946D145B-7843-2542-B153-50D03C6AB56B}"/>
+    <dgm:cxn modelId="{29C97577-D271-674C-939F-408ABFAD951D}" type="presOf" srcId="{202625FF-69EF-064F-8740-6ACBBE94271A}" destId="{ADC261BE-2E20-4247-AFB5-7FCC7A25D2AA}" srcOrd="0" destOrd="0" presId="urn:microsoft.com/office/officeart/2005/8/layout/cycle1"/>
+    <dgm:cxn modelId="{32F96083-3115-C842-85E1-F08DE3595BB5}" type="presOf" srcId="{D9AA61A4-C540-EC4D-9BD7-2A839456400A}" destId="{1BA41624-042A-5949-8DE3-22A9AD4A9603}" srcOrd="0" destOrd="0" presId="urn:microsoft.com/office/officeart/2005/8/layout/cycle1"/>
+    <dgm:cxn modelId="{788F7C93-CBA4-9740-8B43-A4FF1B4EA224}" srcId="{1979FC38-B443-4A40-A7CC-CA047E9078FD}" destId="{F549582C-C99D-7545-9B26-75BAAAE4B41F}" srcOrd="0" destOrd="0" parTransId="{8384F724-84D3-814C-AA65-0B926E844360}" sibTransId="{99A1C0B8-0EE5-A94A-AA72-2B9C45DE243A}"/>
+    <dgm:cxn modelId="{2B5618CE-40E5-904A-9F51-B0AB518318A3}" type="presOf" srcId="{B2ABF9D5-F0DC-7D41-829F-EB8FB08DC824}" destId="{14A9A9EB-CB48-2A41-AFA1-70566062BF90}" srcOrd="0" destOrd="0" presId="urn:microsoft.com/office/officeart/2005/8/layout/cycle1"/>
+    <dgm:cxn modelId="{5A056CCF-6A01-5346-87FD-D7F8CF8B7BC6}" type="presOf" srcId="{99A1C0B8-0EE5-A94A-AA72-2B9C45DE243A}" destId="{F5F4A613-BF39-7144-A22F-2663BB992612}" srcOrd="0" destOrd="0" presId="urn:microsoft.com/office/officeart/2005/8/layout/cycle1"/>
+    <dgm:cxn modelId="{70851FD3-E127-6C4B-87A5-DE04BE6BF10F}" type="presOf" srcId="{63FB1B41-0C83-E944-B34C-44E57820D7D4}" destId="{AF0F62C1-BF76-AE44-9D3F-C08832E3B3A8}" srcOrd="0" destOrd="0" presId="urn:microsoft.com/office/officeart/2005/8/layout/cycle1"/>
+    <dgm:cxn modelId="{ABC630D3-58DB-6B4E-BADC-AE77337CB3CB}" type="presOf" srcId="{946D145B-7843-2542-B153-50D03C6AB56B}" destId="{74FA9EB7-E3AF-5740-81AA-2C06CDED22EF}" srcOrd="0" destOrd="0" presId="urn:microsoft.com/office/officeart/2005/8/layout/cycle1"/>
+    <dgm:cxn modelId="{9D6804EC-0649-6F47-AF41-1ACFF8819957}" type="presOf" srcId="{06094591-8065-A54F-A058-FFC49B8F045B}" destId="{2AF6A8D5-CE4C-EA47-A6A0-B185CD6441C9}" srcOrd="0" destOrd="0" presId="urn:microsoft.com/office/officeart/2005/8/layout/cycle1"/>
+    <dgm:cxn modelId="{C661D1F8-FF7E-9148-A855-355635FF26FF}" srcId="{1979FC38-B443-4A40-A7CC-CA047E9078FD}" destId="{624E6D92-905D-464F-A2D6-BA0AB5CD12FF}" srcOrd="1" destOrd="0" parTransId="{3062BCEE-872C-6E4D-96A0-331EA58505E8}" sibTransId="{B2ABF9D5-F0DC-7D41-829F-EB8FB08DC824}"/>
+    <dgm:cxn modelId="{989724E4-0C62-B147-AA60-5778D97AAB03}" type="presParOf" srcId="{E3807F46-160C-7641-B439-902184B64921}" destId="{85BF1764-12EE-5D4C-AE68-E975DFEBB18C}" srcOrd="0" destOrd="0" presId="urn:microsoft.com/office/officeart/2005/8/layout/cycle1"/>
+    <dgm:cxn modelId="{D00ED65D-BBF9-0142-A231-0AA902D10F26}" type="presParOf" srcId="{E3807F46-160C-7641-B439-902184B64921}" destId="{939F66F5-B38D-3247-ABDC-2D4B036CE55C}" srcOrd="1" destOrd="0" presId="urn:microsoft.com/office/officeart/2005/8/layout/cycle1"/>
+    <dgm:cxn modelId="{95D44338-A3CD-4A4D-980A-CE35FAE2E973}" type="presParOf" srcId="{E3807F46-160C-7641-B439-902184B64921}" destId="{F5F4A613-BF39-7144-A22F-2663BB992612}" srcOrd="2" destOrd="0" presId="urn:microsoft.com/office/officeart/2005/8/layout/cycle1"/>
+    <dgm:cxn modelId="{7EED42DC-3458-294F-B5FF-50838A9EFAC9}" type="presParOf" srcId="{E3807F46-160C-7641-B439-902184B64921}" destId="{C16F5336-4764-F746-9E4C-8888B2A1F1D3}" srcOrd="3" destOrd="0" presId="urn:microsoft.com/office/officeart/2005/8/layout/cycle1"/>
+    <dgm:cxn modelId="{16F4F3DA-60E0-5D40-B93A-12250BA5EAAB}" type="presParOf" srcId="{E3807F46-160C-7641-B439-902184B64921}" destId="{B7219390-49A5-F844-8853-CDD77F748E19}" srcOrd="4" destOrd="0" presId="urn:microsoft.com/office/officeart/2005/8/layout/cycle1"/>
+    <dgm:cxn modelId="{03920A42-2136-1E43-BE73-8568508F550A}" type="presParOf" srcId="{E3807F46-160C-7641-B439-902184B64921}" destId="{14A9A9EB-CB48-2A41-AFA1-70566062BF90}" srcOrd="5" destOrd="0" presId="urn:microsoft.com/office/officeart/2005/8/layout/cycle1"/>
+    <dgm:cxn modelId="{7603516E-CFCB-194D-A111-E67D232D68A3}" type="presParOf" srcId="{E3807F46-160C-7641-B439-902184B64921}" destId="{CC2D62DE-DFCE-B448-AB6B-AA52A79AE3FF}" srcOrd="6" destOrd="0" presId="urn:microsoft.com/office/officeart/2005/8/layout/cycle1"/>
+    <dgm:cxn modelId="{63D64A43-F34C-904D-938B-6E4B29961550}" type="presParOf" srcId="{E3807F46-160C-7641-B439-902184B64921}" destId="{4CC2FC71-FE0C-6A41-97BE-6667063094DB}" srcOrd="7" destOrd="0" presId="urn:microsoft.com/office/officeart/2005/8/layout/cycle1"/>
+    <dgm:cxn modelId="{2BB8B8B4-220D-CF47-A3A7-7DEC7FF85C7B}" type="presParOf" srcId="{E3807F46-160C-7641-B439-902184B64921}" destId="{1BA41624-042A-5949-8DE3-22A9AD4A9603}" srcOrd="8" destOrd="0" presId="urn:microsoft.com/office/officeart/2005/8/layout/cycle1"/>
+    <dgm:cxn modelId="{7C909F38-BDAF-404D-BCB0-7924AF77CBFD}" type="presParOf" srcId="{E3807F46-160C-7641-B439-902184B64921}" destId="{5542602B-3F9D-464A-B0F5-3499A04031B4}" srcOrd="9" destOrd="0" presId="urn:microsoft.com/office/officeart/2005/8/layout/cycle1"/>
+    <dgm:cxn modelId="{96696991-F977-C443-9AB8-6BFB932B18C9}" type="presParOf" srcId="{E3807F46-160C-7641-B439-902184B64921}" destId="{ADC261BE-2E20-4247-AFB5-7FCC7A25D2AA}" srcOrd="10" destOrd="0" presId="urn:microsoft.com/office/officeart/2005/8/layout/cycle1"/>
+    <dgm:cxn modelId="{BC170B1C-7045-A047-AC4A-4472E690ECF3}" type="presParOf" srcId="{E3807F46-160C-7641-B439-902184B64921}" destId="{74FA9EB7-E3AF-5740-81AA-2C06CDED22EF}" srcOrd="11" destOrd="0" presId="urn:microsoft.com/office/officeart/2005/8/layout/cycle1"/>
+    <dgm:cxn modelId="{9D7B3AA7-9268-D244-B3D9-B5F3179D34B4}" type="presParOf" srcId="{E3807F46-160C-7641-B439-902184B64921}" destId="{255D44DA-03A7-5E43-9989-00D69F8850DF}" srcOrd="12" destOrd="0" presId="urn:microsoft.com/office/officeart/2005/8/layout/cycle1"/>
+    <dgm:cxn modelId="{9990B941-4DBA-FD46-8BB5-004D7672889E}" type="presParOf" srcId="{E3807F46-160C-7641-B439-902184B64921}" destId="{2AF6A8D5-CE4C-EA47-A6A0-B185CD6441C9}" srcOrd="13" destOrd="0" presId="urn:microsoft.com/office/officeart/2005/8/layout/cycle1"/>
+    <dgm:cxn modelId="{B574A49B-50B7-FC4E-89E9-13B66D481C5F}" type="presParOf" srcId="{E3807F46-160C-7641-B439-902184B64921}" destId="{AF0F62C1-BF76-AE44-9D3F-C08832E3B3A8}" srcOrd="14" destOrd="0" presId="urn:microsoft.com/office/officeart/2005/8/layout/cycle1"/>
+  </dgm:cxnLst>
+  <dgm:bg/>
+  <dgm:whole/>
+  <dgm:extLst>
+    <a:ext uri="http://schemas.microsoft.com/office/drawing/2008/diagram">
+      <dsp:dataModelExt xmlns:dsp="http://schemas.microsoft.com/office/drawing/2008/diagram" relId="rId12" minVer="http://schemas.openxmlformats.org/drawingml/2006/diagram"/>
+    </a:ext>
+  </dgm:extLst>
+</dgm:dataModel>
+</file>
+
+<file path=ppt/diagrams/drawing1.xml><?xml version="1.0" encoding="utf-8"?>
+<dsp:drawing xmlns:dgm="http://schemas.openxmlformats.org/drawingml/2006/diagram" xmlns:dsp="http://schemas.microsoft.com/office/drawing/2008/diagram" xmlns:a="http://schemas.openxmlformats.org/drawingml/2006/main">
+  <dsp:spTree>
+    <dsp:nvGrpSpPr>
+      <dsp:cNvPr id="0" name=""/>
+      <dsp:cNvGrpSpPr/>
+    </dsp:nvGrpSpPr>
+    <dsp:grpSpPr/>
+    <dsp:sp modelId="{939F66F5-B38D-3247-ABDC-2D4B036CE55C}">
+      <dsp:nvSpPr>
+        <dsp:cNvPr id="0" name=""/>
+        <dsp:cNvSpPr/>
+      </dsp:nvSpPr>
+      <dsp:spPr>
+        <a:xfrm>
+          <a:off x="1951611" y="76193"/>
+          <a:ext cx="788436" cy="788436"/>
+        </a:xfrm>
+        <a:prstGeom prst="rect">
+          <a:avLst/>
+        </a:prstGeom>
+        <a:noFill/>
+        <a:ln>
+          <a:noFill/>
+        </a:ln>
+        <a:effectLst/>
+      </dsp:spPr>
+      <dsp:style>
+        <a:lnRef idx="0">
+          <a:scrgbClr r="0" g="0" b="0"/>
+        </a:lnRef>
+        <a:fillRef idx="0">
+          <a:scrgbClr r="0" g="0" b="0"/>
+        </a:fillRef>
+        <a:effectRef idx="0">
+          <a:scrgbClr r="0" g="0" b="0"/>
+        </a:effectRef>
+        <a:fontRef idx="minor"/>
+      </dsp:style>
+      <dsp:txBody>
+        <a:bodyPr spcFirstLastPara="0" vert="horz" wrap="square" lIns="15240" tIns="15240" rIns="15240" bIns="15240" numCol="1" spcCol="1270" anchor="ctr" anchorCtr="0">
+          <a:noAutofit/>
+        </a:bodyPr>
+        <a:lstStyle/>
+        <a:p>
+          <a:pPr marL="0" lvl="0" indent="0" algn="ctr" defTabSz="533400">
+            <a:lnSpc>
+              <a:spcPct val="90000"/>
+            </a:lnSpc>
+            <a:spcBef>
+              <a:spcPct val="0"/>
+            </a:spcBef>
+            <a:spcAft>
+              <a:spcPct val="35000"/>
+            </a:spcAft>
+            <a:buNone/>
+          </a:pPr>
+          <a:r>
+            <a:rPr lang="en-US" sz="1200" b="1" kern="1200" dirty="0"/>
+            <a:t>Storage</a:t>
+          </a:r>
+          <a:endParaRPr lang="en-US" sz="900" b="1" kern="1200" dirty="0"/>
+        </a:p>
+      </dsp:txBody>
+      <dsp:txXfrm>
+        <a:off x="1951611" y="76193"/>
+        <a:ext cx="788436" cy="788436"/>
+      </dsp:txXfrm>
+    </dsp:sp>
+    <dsp:sp modelId="{F5F4A613-BF39-7144-A22F-2663BB992612}">
+      <dsp:nvSpPr>
+        <dsp:cNvPr id="0" name=""/>
+        <dsp:cNvSpPr/>
+      </dsp:nvSpPr>
+      <dsp:spPr>
+        <a:xfrm>
+          <a:off x="94435" y="53084"/>
+          <a:ext cx="2959209" cy="2959209"/>
+        </a:xfrm>
+        <a:prstGeom prst="circularArrow">
+          <a:avLst>
+            <a:gd name="adj1" fmla="val 5195"/>
+            <a:gd name="adj2" fmla="val 335572"/>
+            <a:gd name="adj3" fmla="val 21294631"/>
+            <a:gd name="adj4" fmla="val 19765022"/>
+            <a:gd name="adj5" fmla="val 6061"/>
+          </a:avLst>
+        </a:prstGeom>
+        <a:gradFill rotWithShape="0">
+          <a:gsLst>
+            <a:gs pos="0">
+              <a:schemeClr val="accent2">
+                <a:hueOff val="0"/>
+                <a:satOff val="0"/>
+                <a:lumOff val="0"/>
+                <a:alphaOff val="0"/>
+                <a:satMod val="103000"/>
+                <a:lumMod val="102000"/>
+                <a:tint val="94000"/>
+              </a:schemeClr>
+            </a:gs>
+            <a:gs pos="50000">
+              <a:schemeClr val="accent2">
+                <a:hueOff val="0"/>
+                <a:satOff val="0"/>
+                <a:lumOff val="0"/>
+                <a:alphaOff val="0"/>
+                <a:satMod val="110000"/>
+                <a:lumMod val="100000"/>
+                <a:shade val="100000"/>
+              </a:schemeClr>
+            </a:gs>
+            <a:gs pos="100000">
+              <a:schemeClr val="accent2">
+                <a:hueOff val="0"/>
+                <a:satOff val="0"/>
+                <a:lumOff val="0"/>
+                <a:alphaOff val="0"/>
+                <a:lumMod val="99000"/>
+                <a:satMod val="120000"/>
+                <a:shade val="78000"/>
+              </a:schemeClr>
+            </a:gs>
+          </a:gsLst>
+          <a:lin ang="5400000" scaled="0"/>
+        </a:gradFill>
+        <a:ln>
+          <a:noFill/>
+        </a:ln>
+        <a:effectLst>
+          <a:outerShdw blurRad="57150" dist="19050" dir="5400000" algn="ctr" rotWithShape="0">
+            <a:srgbClr val="000000">
+              <a:alpha val="63000"/>
+            </a:srgbClr>
+          </a:outerShdw>
+        </a:effectLst>
+      </dsp:spPr>
+      <dsp:style>
+        <a:lnRef idx="0">
+          <a:scrgbClr r="0" g="0" b="0"/>
+        </a:lnRef>
+        <a:fillRef idx="3">
+          <a:scrgbClr r="0" g="0" b="0"/>
+        </a:fillRef>
+        <a:effectRef idx="3">
+          <a:scrgbClr r="0" g="0" b="0"/>
+        </a:effectRef>
+        <a:fontRef idx="minor">
+          <a:schemeClr val="lt1"/>
+        </a:fontRef>
+      </dsp:style>
+    </dsp:sp>
+    <dsp:sp modelId="{B7219390-49A5-F844-8853-CDD77F748E19}">
+      <dsp:nvSpPr>
+        <dsp:cNvPr id="0" name=""/>
+        <dsp:cNvSpPr/>
+      </dsp:nvSpPr>
+      <dsp:spPr>
+        <a:xfrm>
+          <a:off x="2170734" y="1544225"/>
+          <a:ext cx="1304176" cy="788436"/>
+        </a:xfrm>
+        <a:prstGeom prst="rect">
+          <a:avLst/>
+        </a:prstGeom>
+        <a:noFill/>
+        <a:ln>
+          <a:noFill/>
+        </a:ln>
+        <a:effectLst/>
+      </dsp:spPr>
+      <dsp:style>
+        <a:lnRef idx="0">
+          <a:scrgbClr r="0" g="0" b="0"/>
+        </a:lnRef>
+        <a:fillRef idx="0">
+          <a:scrgbClr r="0" g="0" b="0"/>
+        </a:fillRef>
+        <a:effectRef idx="0">
+          <a:scrgbClr r="0" g="0" b="0"/>
+        </a:effectRef>
+        <a:fontRef idx="minor"/>
+      </dsp:style>
+      <dsp:txBody>
+        <a:bodyPr spcFirstLastPara="0" vert="horz" wrap="square" lIns="15240" tIns="15240" rIns="15240" bIns="15240" numCol="1" spcCol="1270" anchor="ctr" anchorCtr="0">
+          <a:noAutofit/>
+        </a:bodyPr>
+        <a:lstStyle/>
+        <a:p>
+          <a:pPr marL="0" lvl="0" indent="0" algn="ctr" defTabSz="533400">
+            <a:lnSpc>
+              <a:spcPct val="90000"/>
+            </a:lnSpc>
+            <a:spcBef>
+              <a:spcPct val="0"/>
+            </a:spcBef>
+            <a:spcAft>
+              <a:spcPct val="35000"/>
+            </a:spcAft>
+            <a:buNone/>
+          </a:pPr>
+          <a:r>
+            <a:rPr lang="en-US" sz="1200" b="1" kern="1200" dirty="0"/>
+            <a:t>Communication</a:t>
+          </a:r>
+          <a:endParaRPr lang="en-US" sz="1800" b="1" kern="1200" dirty="0"/>
+        </a:p>
+      </dsp:txBody>
+      <dsp:txXfrm>
+        <a:off x="2170734" y="1544225"/>
+        <a:ext cx="1304176" cy="788436"/>
+      </dsp:txXfrm>
+    </dsp:sp>
+    <dsp:sp modelId="{14A9A9EB-CB48-2A41-AFA1-70566062BF90}">
+      <dsp:nvSpPr>
+        <dsp:cNvPr id="0" name=""/>
+        <dsp:cNvSpPr/>
+      </dsp:nvSpPr>
+      <dsp:spPr>
+        <a:xfrm>
+          <a:off x="249350" y="3073"/>
+          <a:ext cx="2959209" cy="2959209"/>
+        </a:xfrm>
+        <a:prstGeom prst="circularArrow">
+          <a:avLst>
+            <a:gd name="adj1" fmla="val 5195"/>
+            <a:gd name="adj2" fmla="val 335572"/>
+            <a:gd name="adj3" fmla="val 3330745"/>
+            <a:gd name="adj4" fmla="val 2252111"/>
+            <a:gd name="adj5" fmla="val 6061"/>
+          </a:avLst>
+        </a:prstGeom>
+        <a:gradFill rotWithShape="0">
+          <a:gsLst>
+            <a:gs pos="0">
+              <a:schemeClr val="accent3">
+                <a:hueOff val="0"/>
+                <a:satOff val="0"/>
+                <a:lumOff val="0"/>
+                <a:alphaOff val="0"/>
+                <a:satMod val="103000"/>
+                <a:lumMod val="102000"/>
+                <a:tint val="94000"/>
+              </a:schemeClr>
+            </a:gs>
+            <a:gs pos="50000">
+              <a:schemeClr val="accent3">
+                <a:hueOff val="0"/>
+                <a:satOff val="0"/>
+                <a:lumOff val="0"/>
+                <a:alphaOff val="0"/>
+                <a:satMod val="110000"/>
+                <a:lumMod val="100000"/>
+                <a:shade val="100000"/>
+              </a:schemeClr>
+            </a:gs>
+            <a:gs pos="100000">
+              <a:schemeClr val="accent3">
+                <a:hueOff val="0"/>
+                <a:satOff val="0"/>
+                <a:lumOff val="0"/>
+                <a:alphaOff val="0"/>
+                <a:lumMod val="99000"/>
+                <a:satMod val="120000"/>
+                <a:shade val="78000"/>
+              </a:schemeClr>
+            </a:gs>
+          </a:gsLst>
+          <a:lin ang="5400000" scaled="0"/>
+        </a:gradFill>
+        <a:ln>
+          <a:noFill/>
+        </a:ln>
+        <a:effectLst>
+          <a:outerShdw blurRad="57150" dist="19050" dir="5400000" algn="ctr" rotWithShape="0">
+            <a:srgbClr val="000000">
+              <a:alpha val="63000"/>
+            </a:srgbClr>
+          </a:outerShdw>
+        </a:effectLst>
+      </dsp:spPr>
+      <dsp:style>
+        <a:lnRef idx="0">
+          <a:scrgbClr r="0" g="0" b="0"/>
+        </a:lnRef>
+        <a:fillRef idx="3">
+          <a:scrgbClr r="0" g="0" b="0"/>
+        </a:fillRef>
+        <a:effectRef idx="3">
+          <a:scrgbClr r="0" g="0" b="0"/>
+        </a:effectRef>
+        <a:fontRef idx="minor">
+          <a:schemeClr val="lt1"/>
+        </a:fontRef>
+      </dsp:style>
+    </dsp:sp>
+    <dsp:sp modelId="{4CC2FC71-FE0C-6A41-97BE-6667063094DB}">
+      <dsp:nvSpPr>
+        <dsp:cNvPr id="0" name=""/>
+        <dsp:cNvSpPr/>
+      </dsp:nvSpPr>
+      <dsp:spPr>
+        <a:xfrm>
+          <a:off x="939573" y="2451518"/>
+          <a:ext cx="1268933" cy="788436"/>
+        </a:xfrm>
+        <a:prstGeom prst="rect">
+          <a:avLst/>
+        </a:prstGeom>
+        <a:noFill/>
+        <a:ln>
+          <a:noFill/>
+        </a:ln>
+        <a:effectLst/>
+      </dsp:spPr>
+      <dsp:style>
+        <a:lnRef idx="0">
+          <a:scrgbClr r="0" g="0" b="0"/>
+        </a:lnRef>
+        <a:fillRef idx="0">
+          <a:scrgbClr r="0" g="0" b="0"/>
+        </a:fillRef>
+        <a:effectRef idx="0">
+          <a:scrgbClr r="0" g="0" b="0"/>
+        </a:effectRef>
+        <a:fontRef idx="minor"/>
+      </dsp:style>
+      <dsp:txBody>
+        <a:bodyPr spcFirstLastPara="0" vert="horz" wrap="square" lIns="15240" tIns="15240" rIns="15240" bIns="15240" numCol="1" spcCol="1270" anchor="ctr" anchorCtr="0">
+          <a:noAutofit/>
+        </a:bodyPr>
+        <a:lstStyle/>
+        <a:p>
+          <a:pPr marL="0" lvl="0" indent="0" algn="ctr" defTabSz="533400">
+            <a:lnSpc>
+              <a:spcPct val="90000"/>
+            </a:lnSpc>
+            <a:spcBef>
+              <a:spcPct val="0"/>
+            </a:spcBef>
+            <a:spcAft>
+              <a:spcPct val="35000"/>
+            </a:spcAft>
+            <a:buNone/>
+          </a:pPr>
+          <a:r>
+            <a:rPr lang="en-US" sz="1200" b="1" kern="1200" dirty="0"/>
+            <a:t>Computation</a:t>
+          </a:r>
+          <a:endParaRPr lang="en-US" sz="900" b="1" kern="1200" dirty="0"/>
+        </a:p>
+      </dsp:txBody>
+      <dsp:txXfrm>
+        <a:off x="939573" y="2451518"/>
+        <a:ext cx="1268933" cy="788436"/>
+      </dsp:txXfrm>
+    </dsp:sp>
+    <dsp:sp modelId="{1BA41624-042A-5949-8DE3-22A9AD4A9603}">
+      <dsp:nvSpPr>
+        <dsp:cNvPr id="0" name=""/>
+        <dsp:cNvSpPr/>
+      </dsp:nvSpPr>
+      <dsp:spPr>
+        <a:xfrm>
+          <a:off x="-33875" y="72763"/>
+          <a:ext cx="2959209" cy="2959209"/>
+        </a:xfrm>
+        <a:prstGeom prst="circularArrow">
+          <a:avLst>
+            <a:gd name="adj1" fmla="val 5195"/>
+            <a:gd name="adj2" fmla="val 335572"/>
+            <a:gd name="adj3" fmla="val 8212317"/>
+            <a:gd name="adj4" fmla="val 7133683"/>
+            <a:gd name="adj5" fmla="val 6061"/>
+          </a:avLst>
+        </a:prstGeom>
+        <a:gradFill rotWithShape="0">
+          <a:gsLst>
+            <a:gs pos="0">
+              <a:schemeClr val="accent4">
+                <a:hueOff val="0"/>
+                <a:satOff val="0"/>
+                <a:lumOff val="0"/>
+                <a:alphaOff val="0"/>
+                <a:satMod val="103000"/>
+                <a:lumMod val="102000"/>
+                <a:tint val="94000"/>
+              </a:schemeClr>
+            </a:gs>
+            <a:gs pos="50000">
+              <a:schemeClr val="accent4">
+                <a:hueOff val="0"/>
+                <a:satOff val="0"/>
+                <a:lumOff val="0"/>
+                <a:alphaOff val="0"/>
+                <a:satMod val="110000"/>
+                <a:lumMod val="100000"/>
+                <a:shade val="100000"/>
+              </a:schemeClr>
+            </a:gs>
+            <a:gs pos="100000">
+              <a:schemeClr val="accent4">
+                <a:hueOff val="0"/>
+                <a:satOff val="0"/>
+                <a:lumOff val="0"/>
+                <a:alphaOff val="0"/>
+                <a:lumMod val="99000"/>
+                <a:satMod val="120000"/>
+                <a:shade val="78000"/>
+              </a:schemeClr>
+            </a:gs>
+          </a:gsLst>
+          <a:lin ang="5400000" scaled="0"/>
+        </a:gradFill>
+        <a:ln>
+          <a:noFill/>
+        </a:ln>
+        <a:effectLst>
+          <a:outerShdw blurRad="57150" dist="19050" dir="5400000" algn="ctr" rotWithShape="0">
+            <a:srgbClr val="000000">
+              <a:alpha val="63000"/>
+            </a:srgbClr>
+          </a:outerShdw>
+        </a:effectLst>
+      </dsp:spPr>
+      <dsp:style>
+        <a:lnRef idx="0">
+          <a:scrgbClr r="0" g="0" b="0"/>
+        </a:lnRef>
+        <a:fillRef idx="3">
+          <a:scrgbClr r="0" g="0" b="0"/>
+        </a:fillRef>
+        <a:effectRef idx="3">
+          <a:scrgbClr r="0" g="0" b="0"/>
+        </a:effectRef>
+        <a:fontRef idx="minor">
+          <a:schemeClr val="lt1"/>
+        </a:fontRef>
+      </dsp:style>
+    </dsp:sp>
+    <dsp:sp modelId="{ADC261BE-2E20-4247-AFB5-7FCC7A25D2AA}">
+      <dsp:nvSpPr>
+        <dsp:cNvPr id="0" name=""/>
+        <dsp:cNvSpPr/>
+      </dsp:nvSpPr>
+      <dsp:spPr>
+        <a:xfrm>
+          <a:off x="-186279" y="1544225"/>
+          <a:ext cx="1023075" cy="788436"/>
+        </a:xfrm>
+        <a:prstGeom prst="rect">
+          <a:avLst/>
+        </a:prstGeom>
+        <a:noFill/>
+        <a:ln>
+          <a:noFill/>
+        </a:ln>
+        <a:effectLst/>
+      </dsp:spPr>
+      <dsp:style>
+        <a:lnRef idx="0">
+          <a:scrgbClr r="0" g="0" b="0"/>
+        </a:lnRef>
+        <a:fillRef idx="0">
+          <a:scrgbClr r="0" g="0" b="0"/>
+        </a:fillRef>
+        <a:effectRef idx="0">
+          <a:scrgbClr r="0" g="0" b="0"/>
+        </a:effectRef>
+        <a:fontRef idx="minor"/>
+      </dsp:style>
+      <dsp:txBody>
+        <a:bodyPr spcFirstLastPara="0" vert="horz" wrap="square" lIns="15240" tIns="15240" rIns="15240" bIns="15240" numCol="1" spcCol="1270" anchor="ctr" anchorCtr="0">
+          <a:noAutofit/>
+        </a:bodyPr>
+        <a:lstStyle/>
+        <a:p>
+          <a:pPr marL="0" lvl="0" indent="0" algn="ctr" defTabSz="533400">
+            <a:lnSpc>
+              <a:spcPct val="90000"/>
+            </a:lnSpc>
+            <a:spcBef>
+              <a:spcPct val="0"/>
+            </a:spcBef>
+            <a:spcAft>
+              <a:spcPct val="35000"/>
+            </a:spcAft>
+            <a:buNone/>
+          </a:pPr>
+          <a:r>
+            <a:rPr lang="en-US" sz="1200" b="1" kern="1200" dirty="0"/>
+            <a:t>Analysis</a:t>
+          </a:r>
+        </a:p>
+      </dsp:txBody>
+      <dsp:txXfrm>
+        <a:off x="-186279" y="1544225"/>
+        <a:ext cx="1023075" cy="788436"/>
+      </dsp:txXfrm>
+    </dsp:sp>
+    <dsp:sp modelId="{74FA9EB7-E3AF-5740-81AA-2C06CDED22EF}">
+      <dsp:nvSpPr>
+        <dsp:cNvPr id="0" name=""/>
+        <dsp:cNvSpPr/>
+      </dsp:nvSpPr>
+      <dsp:spPr>
+        <a:xfrm>
+          <a:off x="94435" y="53084"/>
+          <a:ext cx="2959209" cy="2959209"/>
+        </a:xfrm>
+        <a:prstGeom prst="circularArrow">
+          <a:avLst>
+            <a:gd name="adj1" fmla="val 5195"/>
+            <a:gd name="adj2" fmla="val 335572"/>
+            <a:gd name="adj3" fmla="val 12299406"/>
+            <a:gd name="adj4" fmla="val 10769797"/>
+            <a:gd name="adj5" fmla="val 6061"/>
+          </a:avLst>
+        </a:prstGeom>
+        <a:gradFill rotWithShape="0">
+          <a:gsLst>
+            <a:gs pos="0">
+              <a:schemeClr val="accent5">
+                <a:hueOff val="0"/>
+                <a:satOff val="0"/>
+                <a:lumOff val="0"/>
+                <a:alphaOff val="0"/>
+                <a:satMod val="103000"/>
+                <a:lumMod val="102000"/>
+                <a:tint val="94000"/>
+              </a:schemeClr>
+            </a:gs>
+            <a:gs pos="50000">
+              <a:schemeClr val="accent5">
+                <a:hueOff val="0"/>
+                <a:satOff val="0"/>
+                <a:lumOff val="0"/>
+                <a:alphaOff val="0"/>
+                <a:satMod val="110000"/>
+                <a:lumMod val="100000"/>
+                <a:shade val="100000"/>
+              </a:schemeClr>
+            </a:gs>
+            <a:gs pos="100000">
+              <a:schemeClr val="accent5">
+                <a:hueOff val="0"/>
+                <a:satOff val="0"/>
+                <a:lumOff val="0"/>
+                <a:alphaOff val="0"/>
+                <a:lumMod val="99000"/>
+                <a:satMod val="120000"/>
+                <a:shade val="78000"/>
+              </a:schemeClr>
+            </a:gs>
+          </a:gsLst>
+          <a:lin ang="5400000" scaled="0"/>
+        </a:gradFill>
+        <a:ln>
+          <a:noFill/>
+        </a:ln>
+        <a:effectLst>
+          <a:outerShdw blurRad="57150" dist="19050" dir="5400000" algn="ctr" rotWithShape="0">
+            <a:srgbClr val="000000">
+              <a:alpha val="63000"/>
+            </a:srgbClr>
+          </a:outerShdw>
+        </a:effectLst>
+      </dsp:spPr>
+      <dsp:style>
+        <a:lnRef idx="0">
+          <a:scrgbClr r="0" g="0" b="0"/>
+        </a:lnRef>
+        <a:fillRef idx="3">
+          <a:scrgbClr r="0" g="0" b="0"/>
+        </a:fillRef>
+        <a:effectRef idx="3">
+          <a:scrgbClr r="0" g="0" b="0"/>
+        </a:effectRef>
+        <a:fontRef idx="minor">
+          <a:schemeClr val="lt1"/>
+        </a:fontRef>
+      </dsp:style>
+    </dsp:sp>
+    <dsp:sp modelId="{2AF6A8D5-CE4C-EA47-A6A0-B185CD6441C9}">
+      <dsp:nvSpPr>
+        <dsp:cNvPr id="0" name=""/>
+        <dsp:cNvSpPr/>
+      </dsp:nvSpPr>
+      <dsp:spPr>
+        <a:xfrm>
+          <a:off x="269886" y="76193"/>
+          <a:ext cx="1064728" cy="788436"/>
+        </a:xfrm>
+        <a:prstGeom prst="rect">
+          <a:avLst/>
+        </a:prstGeom>
+        <a:noFill/>
+        <a:ln>
+          <a:noFill/>
+        </a:ln>
+        <a:effectLst/>
+      </dsp:spPr>
+      <dsp:style>
+        <a:lnRef idx="0">
+          <a:scrgbClr r="0" g="0" b="0"/>
+        </a:lnRef>
+        <a:fillRef idx="0">
+          <a:scrgbClr r="0" g="0" b="0"/>
+        </a:fillRef>
+        <a:effectRef idx="0">
+          <a:scrgbClr r="0" g="0" b="0"/>
+        </a:effectRef>
+        <a:fontRef idx="minor"/>
+      </dsp:style>
+      <dsp:txBody>
+        <a:bodyPr spcFirstLastPara="0" vert="horz" wrap="square" lIns="15240" tIns="15240" rIns="15240" bIns="15240" numCol="1" spcCol="1270" anchor="ctr" anchorCtr="0">
+          <a:noAutofit/>
+        </a:bodyPr>
+        <a:lstStyle/>
+        <a:p>
+          <a:pPr marL="0" lvl="0" indent="0" algn="ctr" defTabSz="533400">
+            <a:lnSpc>
+              <a:spcPct val="90000"/>
+            </a:lnSpc>
+            <a:spcBef>
+              <a:spcPct val="0"/>
+            </a:spcBef>
+            <a:spcAft>
+              <a:spcPct val="35000"/>
+            </a:spcAft>
+            <a:buNone/>
+          </a:pPr>
+          <a:r>
+            <a:rPr lang="en-US" sz="1200" b="1" kern="1200" dirty="0"/>
+            <a:t>Pre-processing</a:t>
+          </a:r>
+          <a:endParaRPr lang="en-US" sz="900" b="1" kern="1200" dirty="0"/>
+        </a:p>
+      </dsp:txBody>
+      <dsp:txXfrm>
+        <a:off x="269886" y="76193"/>
+        <a:ext cx="1064728" cy="788436"/>
+      </dsp:txXfrm>
+    </dsp:sp>
+    <dsp:sp modelId="{AF0F62C1-BF76-AE44-9D3F-C08832E3B3A8}">
+      <dsp:nvSpPr>
+        <dsp:cNvPr id="0" name=""/>
+        <dsp:cNvSpPr/>
+      </dsp:nvSpPr>
+      <dsp:spPr>
+        <a:xfrm>
+          <a:off x="94435" y="53084"/>
+          <a:ext cx="2959209" cy="2959209"/>
+        </a:xfrm>
+        <a:prstGeom prst="circularArrow">
+          <a:avLst>
+            <a:gd name="adj1" fmla="val 5195"/>
+            <a:gd name="adj2" fmla="val 335572"/>
+            <a:gd name="adj3" fmla="val 16867121"/>
+            <a:gd name="adj4" fmla="val 15569622"/>
+            <a:gd name="adj5" fmla="val 6061"/>
+          </a:avLst>
+        </a:prstGeom>
+        <a:gradFill rotWithShape="0">
+          <a:gsLst>
+            <a:gs pos="0">
+              <a:schemeClr val="accent6">
+                <a:hueOff val="0"/>
+                <a:satOff val="0"/>
+                <a:lumOff val="0"/>
+                <a:alphaOff val="0"/>
+                <a:satMod val="103000"/>
+                <a:lumMod val="102000"/>
+                <a:tint val="94000"/>
+              </a:schemeClr>
+            </a:gs>
+            <a:gs pos="50000">
+              <a:schemeClr val="accent6">
+                <a:hueOff val="0"/>
+                <a:satOff val="0"/>
+                <a:lumOff val="0"/>
+                <a:alphaOff val="0"/>
+                <a:satMod val="110000"/>
+                <a:lumMod val="100000"/>
+                <a:shade val="100000"/>
+              </a:schemeClr>
+            </a:gs>
+            <a:gs pos="100000">
+              <a:schemeClr val="accent6">
+                <a:hueOff val="0"/>
+                <a:satOff val="0"/>
+                <a:lumOff val="0"/>
+                <a:alphaOff val="0"/>
+                <a:lumMod val="99000"/>
+                <a:satMod val="120000"/>
+                <a:shade val="78000"/>
+              </a:schemeClr>
+            </a:gs>
+          </a:gsLst>
+          <a:lin ang="5400000" scaled="0"/>
+        </a:gradFill>
+        <a:ln>
+          <a:noFill/>
+        </a:ln>
+        <a:effectLst>
+          <a:outerShdw blurRad="57150" dist="19050" dir="5400000" algn="ctr" rotWithShape="0">
+            <a:srgbClr val="000000">
+              <a:alpha val="63000"/>
+            </a:srgbClr>
+          </a:outerShdw>
+        </a:effectLst>
+      </dsp:spPr>
+      <dsp:style>
+        <a:lnRef idx="0">
+          <a:scrgbClr r="0" g="0" b="0"/>
+        </a:lnRef>
+        <a:fillRef idx="3">
+          <a:scrgbClr r="0" g="0" b="0"/>
+        </a:fillRef>
+        <a:effectRef idx="3">
+          <a:scrgbClr r="0" g="0" b="0"/>
+        </a:effectRef>
+        <a:fontRef idx="minor">
+          <a:schemeClr val="lt1"/>
+        </a:fontRef>
+      </dsp:style>
+    </dsp:sp>
+  </dsp:spTree>
+</dsp:drawing>
+</file>
+
+<file path=ppt/diagrams/layout1.xml><?xml version="1.0" encoding="utf-8"?>
+<dgm:layoutDef xmlns:dgm="http://schemas.openxmlformats.org/drawingml/2006/diagram" xmlns:a="http://schemas.openxmlformats.org/drawingml/2006/main" uniqueId="urn:microsoft.com/office/officeart/2005/8/layout/cycle1">
+  <dgm:title val=""/>
+  <dgm:desc val=""/>
+  <dgm:catLst>
+    <dgm:cat type="cycle" pri="2000"/>
+  </dgm:catLst>
+  <dgm:sampData>
+    <dgm:dataModel>
+      <dgm:ptLst>
+        <dgm:pt modelId="0" type="doc"/>
+        <dgm:pt modelId="1">
+          <dgm:prSet phldr="1"/>
+        </dgm:pt>
+        <dgm:pt modelId="2">
+          <dgm:prSet phldr="1"/>
+        </dgm:pt>
+        <dgm:pt modelId="3">
+          <dgm:prSet phldr="1"/>
+        </dgm:pt>
+        <dgm:pt modelId="4">
+          <dgm:prSet phldr="1"/>
+        </dgm:pt>
+        <dgm:pt modelId="5">
+          <dgm:prSet phldr="1"/>
+        </dgm:pt>
+      </dgm:ptLst>
+      <dgm:cxnLst>
+        <dgm:cxn modelId="6" srcId="0" destId="1" srcOrd="0" destOrd="0"/>
+        <dgm:cxn modelId="7" srcId="0" destId="2" srcOrd="1" destOrd="0"/>
+        <dgm:cxn modelId="8" srcId="0" destId="3" srcOrd="2" destOrd="0"/>
+        <dgm:cxn modelId="9" srcId="0" destId="4" srcOrd="3" destOrd="0"/>
+        <dgm:cxn modelId="10" srcId="0" destId="5" srcOrd="4" destOrd="0"/>
+      </dgm:cxnLst>
+      <dgm:bg/>
+      <dgm:whole/>
+    </dgm:dataModel>
+  </dgm:sampData>
+  <dgm:styleData>
+    <dgm:dataModel>
+      <dgm:ptLst>
+        <dgm:pt modelId="0" type="doc"/>
+        <dgm:pt modelId="1"/>
+        <dgm:pt modelId="2"/>
+        <dgm:pt modelId="3"/>
+      </dgm:ptLst>
+      <dgm:cxnLst>
+        <dgm:cxn modelId="4" srcId="0" destId="1" srcOrd="0" destOrd="0"/>
+        <dgm:cxn modelId="5" srcId="0" destId="2" srcOrd="1" destOrd="0"/>
+        <dgm:cxn modelId="6" srcId="0" destId="3" srcOrd="2" destOrd="0"/>
+      </dgm:cxnLst>
+      <dgm:bg/>
+      <dgm:whole/>
+    </dgm:dataModel>
+  </dgm:styleData>
+  <dgm:clrData>
+    <dgm:dataModel>
+      <dgm:ptLst>
+        <dgm:pt modelId="0" type="doc"/>
+        <dgm:pt modelId="1"/>
+        <dgm:pt modelId="2"/>
+        <dgm:pt modelId="3"/>
+        <dgm:pt modelId="4"/>
+        <dgm:pt modelId="5"/>
+        <dgm:pt modelId="6"/>
+      </dgm:ptLst>
+      <dgm:cxnLst>
+        <dgm:cxn modelId="7" srcId="0" destId="1" srcOrd="0" destOrd="0"/>
+        <dgm:cxn modelId="8" srcId="0" destId="2" srcOrd="1" destOrd="0"/>
+        <dgm:cxn modelId="9" srcId="0" destId="3" srcOrd="2" destOrd="0"/>
+        <dgm:cxn modelId="10" srcId="0" destId="4" srcOrd="3" destOrd="0"/>
+        <dgm:cxn modelId="11" srcId="0" destId="5" srcOrd="4" destOrd="0"/>
+        <dgm:cxn modelId="12" srcId="0" destId="6" srcOrd="5" destOrd="0"/>
+      </dgm:cxnLst>
+      <dgm:bg/>
+      <dgm:whole/>
+    </dgm:dataModel>
+  </dgm:clrData>
+  <dgm:layoutNode name="cycle">
+    <dgm:varLst>
+      <dgm:dir/>
+      <dgm:resizeHandles val="exact"/>
+    </dgm:varLst>
+    <dgm:choose name="Name0">
+      <dgm:if name="Name1" func="var" arg="dir" op="equ" val="norm">
+        <dgm:alg type="cycle">
+          <dgm:param type="stAng" val="0"/>
+          <dgm:param type="spanAng" val="360"/>
+        </dgm:alg>
+      </dgm:if>
+      <dgm:else name="Name2">
+        <dgm:alg type="cycle">
+          <dgm:param type="stAng" val="0"/>
+          <dgm:param type="spanAng" val="-360"/>
+        </dgm:alg>
+      </dgm:else>
+    </dgm:choose>
+    <dgm:shape xmlns:r="http://schemas.openxmlformats.org/officeDocument/2006/relationships" r:blip="">
+      <dgm:adjLst/>
+    </dgm:shape>
+    <dgm:presOf/>
+    <dgm:choose name="Name3">
+      <dgm:if name="Name4" func="var" arg="dir" op="equ" val="norm">
+        <dgm:constrLst>
+          <dgm:constr type="diam" val="1"/>
+          <dgm:constr type="w" for="ch" forName="node" refType="w"/>
+          <dgm:constr type="w" for="ch" ptType="sibTrans" refType="w" refFor="ch" refForName="node" fact="0.5"/>
+          <dgm:constr type="h" for="ch" ptType="sibTrans" op="equ"/>
+          <dgm:constr type="diam" for="ch" ptType="sibTrans" refType="diam" op="equ"/>
+          <dgm:constr type="sibSp" refType="w" refFor="ch" refForName="node" fact="0.15"/>
+          <dgm:constr type="w" for="ch" forName="dummy" refType="sibSp" fact="2.8"/>
+          <dgm:constr type="primFontSz" for="ch" forName="node" op="equ" val="65"/>
+        </dgm:constrLst>
+      </dgm:if>
+      <dgm:else name="Name5">
+        <dgm:constrLst>
+          <dgm:constr type="diam" val="1"/>
+          <dgm:constr type="w" for="ch" forName="node" refType="w"/>
+          <dgm:constr type="w" for="ch" ptType="sibTrans" refType="w" refFor="ch" refForName="node" fact="0.5"/>
+          <dgm:constr type="h" for="ch" ptType="sibTrans" op="equ"/>
+          <dgm:constr type="diam" for="ch" ptType="sibTrans" refType="diam" op="equ" fact="-1"/>
+          <dgm:constr type="sibSp" refType="w" refFor="ch" refForName="node" fact="0.15"/>
+          <dgm:constr type="w" for="ch" forName="dummy" refType="sibSp" fact="2.8"/>
+          <dgm:constr type="primFontSz" for="ch" forName="node" op="equ" val="65"/>
+        </dgm:constrLst>
+      </dgm:else>
+    </dgm:choose>
+    <dgm:ruleLst>
+      <dgm:rule type="diam" val="INF" fact="NaN" max="NaN"/>
+    </dgm:ruleLst>
+    <dgm:forEach name="nodesForEach" axis="ch" ptType="node">
+      <dgm:choose name="Name6">
+        <dgm:if name="Name7" axis="par ch" ptType="doc node" func="cnt" op="gt" val="1">
+          <dgm:layoutNode name="dummy">
+            <dgm:alg type="sp"/>
+            <dgm:shape xmlns:r="http://schemas.openxmlformats.org/officeDocument/2006/relationships" r:blip="">
+              <dgm:adjLst/>
+            </dgm:shape>
+            <dgm:presOf/>
+            <dgm:constrLst>
+              <dgm:constr type="h" refType="w"/>
+            </dgm:constrLst>
+            <dgm:ruleLst/>
+          </dgm:layoutNode>
+        </dgm:if>
+        <dgm:else name="Name8"/>
+      </dgm:choose>
+      <dgm:layoutNode name="node" styleLbl="revTx">
+        <dgm:varLst>
+          <dgm:bulletEnabled val="1"/>
+        </dgm:varLst>
+        <dgm:alg type="tx">
+          <dgm:param type="txAnchorVertCh" val="mid"/>
+        </dgm:alg>
+        <dgm:shape xmlns:r="http://schemas.openxmlformats.org/officeDocument/2006/relationships" type="rect" r:blip="">
+          <dgm:adjLst/>
+        </dgm:shape>
+        <dgm:presOf axis="desOrSelf" ptType="node"/>
+        <dgm:constrLst>
+          <dgm:constr type="h" refType="w"/>
+          <dgm:constr type="lMarg" refType="primFontSz" fact="0.1"/>
+          <dgm:constr type="rMarg" refType="primFontSz" fact="0.1"/>
+          <dgm:constr type="tMarg" refType="primFontSz" fact="0.1"/>
+          <dgm:constr type="bMarg" refType="primFontSz" fact="0.1"/>
+        </dgm:constrLst>
+        <dgm:ruleLst>
+          <dgm:rule type="primFontSz" val="5" fact="NaN" max="NaN"/>
+        </dgm:ruleLst>
+      </dgm:layoutNode>
+      <dgm:choose name="Name9">
+        <dgm:if name="Name10" axis="par ch" ptType="doc node" func="cnt" op="gt" val="1">
+          <dgm:forEach name="Name11" axis="followSib" ptType="sibTrans" hideLastTrans="0" cnt="1">
+            <dgm:layoutNode name="sibTrans" styleLbl="node1">
+              <dgm:alg type="conn">
+                <dgm:param type="connRout" val="curve"/>
+                <dgm:param type="begPts" val="radial"/>
+                <dgm:param type="endPts" val="radial"/>
+              </dgm:alg>
+              <dgm:shape xmlns:r="http://schemas.openxmlformats.org/officeDocument/2006/relationships" type="conn" r:blip="">
+                <dgm:adjLst/>
+              </dgm:shape>
+              <dgm:presOf axis="self"/>
+              <dgm:constrLst>
+                <dgm:constr type="h" refType="w" fact="0.65"/>
+                <dgm:constr type="begPad"/>
+                <dgm:constr type="endPad"/>
+              </dgm:constrLst>
+              <dgm:ruleLst/>
+            </dgm:layoutNode>
+          </dgm:forEach>
+        </dgm:if>
+        <dgm:else name="Name12"/>
+      </dgm:choose>
+    </dgm:forEach>
+  </dgm:layoutNode>
+</dgm:layoutDef>
+</file>
+
+<file path=ppt/diagrams/quickStyle1.xml><?xml version="1.0" encoding="utf-8"?>
+<dgm:styleDef xmlns:dgm="http://schemas.openxmlformats.org/drawingml/2006/diagram" xmlns:a="http://schemas.openxmlformats.org/drawingml/2006/main" uniqueId="urn:microsoft.com/office/officeart/2005/8/quickstyle/simple5">
+  <dgm:title val=""/>
+  <dgm:desc val=""/>
+  <dgm:catLst>
+    <dgm:cat type="simple" pri="10500"/>
+  </dgm:catLst>
+  <dgm:scene3d>
+    <a:camera prst="orthographicFront"/>
+    <a:lightRig rig="threePt" dir="t"/>
+  </dgm:scene3d>
+  <dgm:styleLbl name="node0">
+    <dgm:scene3d>
+      <a:camera prst="orthographicFront"/>
+      <a:lightRig rig="threePt" dir="t"/>
+    </dgm:scene3d>
+    <dgm:sp3d/>
+    <dgm:txPr/>
+    <dgm:style>
+      <a:lnRef idx="0">
+        <a:scrgbClr r="0" g="0" b="0"/>
+      </a:lnRef>
+      <a:fillRef idx="3">
+        <a:scrgbClr r="0" g="0" b="0"/>
+      </a:fillRef>
+      <a:effectRef idx="3">
+        <a:scrgbClr r="0" g="0" b="0"/>
+      </a:effectRef>
+      <a:fontRef idx="minor">
+        <a:schemeClr val="lt1"/>
+      </a:fontRef>
+    </dgm:style>
+  </dgm:styleLbl>
+  <dgm:styleLbl name="lnNode1">
+    <dgm:scene3d>
+      <a:camera prst="orthographicFront"/>
+      <a:lightRig rig="threePt" dir="t"/>
+    </dgm:scene3d>
+    <dgm:sp3d/>
+    <dgm:txPr/>
+    <dgm:style>
+      <a:lnRef idx="0">
+        <a:scrgbClr r="0" g="0" b="0"/>
+      </a:lnRef>
+      <a:fillRef idx="3">
+        <a:scrgbClr r="0" g="0" b="0"/>
+      </a:fillRef>
+      <a:effectRef idx="3">
+        <a:scrgbClr r="0" g="0" b="0"/>
+      </a:effectRef>
+      <a:fontRef idx="minor">
+        <a:schemeClr val="lt1"/>
+      </a:fontRef>
+    </dgm:style>
+  </dgm:styleLbl>
+  <dgm:styleLbl name="vennNode1">
+    <dgm:scene3d>
+      <a:camera prst="orthographicFront"/>
+      <a:lightRig rig="threePt" dir="t"/>
+    </dgm:scene3d>
+    <dgm:sp3d/>
+    <dgm:txPr/>
+    <dgm:style>
+      <a:lnRef idx="0">
+        <a:scrgbClr r="0" g="0" b="0"/>
+      </a:lnRef>
+      <a:fillRef idx="3">
+        <a:scrgbClr r="0" g="0" b="0"/>
+      </a:fillRef>
+      <a:effectRef idx="3">
+        <a:scrgbClr r="0" g="0" b="0"/>
+      </a:effectRef>
+      <a:fontRef idx="minor">
+        <a:schemeClr val="tx1"/>
+      </a:fontRef>
+    </dgm:style>
+  </dgm:styleLbl>
+  <dgm:styleLbl name="alignNode1">
+    <dgm:scene3d>
+      <a:camera prst="orthographicFront"/>
+      <a:lightRig rig="threePt" dir="t"/>
+    </dgm:scene3d>
+    <dgm:sp3d/>
+    <dgm:txPr/>
+    <dgm:style>
+      <a:lnRef idx="1">
+        <a:scrgbClr r="0" g="0" b="0"/>
+      </a:lnRef>
+      <a:fillRef idx="3">
+        <a:scrgbClr r="0" g="0" b="0"/>
+      </a:fillRef>
+      <a:effectRef idx="3">
+        <a:scrgbClr r="0" g="0" b="0"/>
+      </a:effectRef>
+      <a:fontRef idx="minor">
+        <a:schemeClr val="lt1"/>
+      </a:fontRef>
+    </dgm:style>
+  </dgm:styleLbl>
+  <dgm:styleLbl name="node1">
+    <dgm:scene3d>
+      <a:camera prst="orthographicFront"/>
+      <a:lightRig rig="threePt" dir="t"/>
+    </dgm:scene3d>
+    <dgm:sp3d/>
+    <dgm:txPr/>
+    <dgm:style>
+      <a:lnRef idx="0">
+        <a:scrgbClr r="0" g="0" b="0"/>
+      </a:lnRef>
+      <a:fillRef idx="3">
+        <a:scrgbClr r="0" g="0" b="0"/>
+      </a:fillRef>
+      <a:effectRef idx="3">
+        <a:scrgbClr r="0" g="0" b="0"/>
+      </a:effectRef>
+      <a:fontRef idx="minor">
+        <a:schemeClr val="lt1"/>
+      </a:fontRef>
+    </dgm:style>
+  </dgm:styleLbl>
+  <dgm:styleLbl name="node2">
+    <dgm:scene3d>
+      <a:camera prst="orthographicFront"/>
+      <a:lightRig rig="threePt" dir="t"/>
+    </dgm:scene3d>
+    <dgm:sp3d/>
+    <dgm:txPr/>
+    <dgm:style>
+      <a:lnRef idx="0">
+        <a:scrgbClr r="0" g="0" b="0"/>
+      </a:lnRef>
+      <a:fillRef idx="3">
+        <a:scrgbClr r="0" g="0" b="0"/>
+      </a:fillRef>
+      <a:effectRef idx="3">
+        <a:scrgbClr r="0" g="0" b="0"/>
+      </a:effectRef>
+      <a:fontRef idx="minor">
+        <a:schemeClr val="lt1"/>
+      </a:fontRef>
+    </dgm:style>
+  </dgm:styleLbl>
+  <dgm:styleLbl name="node3">
+    <dgm:scene3d>
+      <a:camera prst="orthographicFront"/>
+      <a:lightRig rig="threePt" dir="t"/>
+    </dgm:scene3d>
+    <dgm:sp3d/>
+    <dgm:txPr/>
+    <dgm:style>
+      <a:lnRef idx="0">
+        <a:scrgbClr r="0" g="0" b="0"/>
+      </a:lnRef>
+      <a:fillRef idx="3">
+        <a:scrgbClr r="0" g="0" b="0"/>
+      </a:fillRef>
+      <a:effectRef idx="3">
+        <a:scrgbClr r="0" g="0" b="0"/>
+      </a:effectRef>
+      <a:fontRef idx="minor">
+        <a:schemeClr val="lt1"/>
+      </a:fontRef>
+    </dgm:style>
+  </dgm:styleLbl>
+  <dgm:styleLbl name="node4">
+    <dgm:scene3d>
+      <a:camera prst="orthographicFront"/>
+      <a:lightRig rig="threePt" dir="t"/>
+    </dgm:scene3d>
+    <dgm:sp3d/>
+    <dgm:txPr/>
+    <dgm:style>
+      <a:lnRef idx="0">
+        <a:scrgbClr r="0" g="0" b="0"/>
+      </a:lnRef>
+      <a:fillRef idx="3">
+        <a:scrgbClr r="0" g="0" b="0"/>
+      </a:fillRef>
+      <a:effectRef idx="3">
+        <a:scrgbClr r="0" g="0" b="0"/>
+      </a:effectRef>
+      <a:fontRef idx="minor">
+        <a:schemeClr val="lt1"/>
+      </a:fontRef>
+    </dgm:style>
+  </dgm:styleLbl>
+  <dgm:styleLbl name="fgImgPlace1">
+    <dgm:scene3d>
+      <a:camera prst="orthographicFront"/>
+      <a:lightRig rig="threePt" dir="t"/>
+    </dgm:scene3d>
+    <dgm:sp3d/>
+    <dgm:txPr/>
+    <dgm:style>
+      <a:lnRef idx="0">
+        <a:scrgbClr r="0" g="0" b="0"/>
+      </a:lnRef>
+      <a:fillRef idx="1">
+        <a:scrgbClr r="0" g="0" b="0"/>
+      </a:fillRef>
+      <a:effectRef idx="3">
+        <a:scrgbClr r="0" g="0" b="0"/>
+      </a:effectRef>
+      <a:fontRef idx="minor"/>
+    </dgm:style>
+  </dgm:styleLbl>
+  <dgm:styleLbl name="alignImgPlace1">
+    <dgm:scene3d>
+      <a:camera prst="orthographicFront"/>
+      <a:lightRig rig="threePt" dir="t"/>
+    </dgm:scene3d>
+    <dgm:sp3d/>
+    <dgm:txPr/>
+    <dgm:style>
+      <a:lnRef idx="0">
+        <a:scrgbClr r="0" g="0" b="0"/>
+      </a:lnRef>
+      <a:fillRef idx="1">
+        <a:scrgbClr r="0" g="0" b="0"/>
+      </a:fillRef>
+      <a:effectRef idx="3">
+        <a:scrgbClr r="0" g="0" b="0"/>
+      </a:effectRef>
+      <a:fontRef idx="minor"/>
+    </dgm:style>
+  </dgm:styleLbl>
+  <dgm:styleLbl name="bgImgPlace1">
+    <dgm:scene3d>
+      <a:camera prst="orthographicFront"/>
+      <a:lightRig rig="threePt" dir="t"/>
+    </dgm:scene3d>
+    <dgm:sp3d/>
+    <dgm:txPr/>
+    <dgm:style>
+      <a:lnRef idx="0">
+        <a:scrgbClr r="0" g="0" b="0"/>
+      </a:lnRef>
+      <a:fillRef idx="1">
+        <a:scrgbClr r="0" g="0" b="0"/>
+      </a:fillRef>
+      <a:effectRef idx="3">
+        <a:scrgbClr r="0" g="0" b="0"/>
+      </a:effectRef>
+      <a:fontRef idx="minor"/>
+    </dgm:style>
+  </dgm:styleLbl>
+  <dgm:styleLbl name="sibTrans2D1">
+    <dgm:scene3d>
+      <a:camera prst="orthographicFront"/>
+      <a:lightRig rig="threePt" dir="t"/>
+    </dgm:scene3d>
+    <dgm:sp3d/>
+    <dgm:txPr/>
+    <dgm:style>
+      <a:lnRef idx="0">
+        <a:scrgbClr r="0" g="0" b="0"/>
+      </a:lnRef>
+      <a:fillRef idx="3">
+        <a:scrgbClr r="0" g="0" b="0"/>
+      </a:fillRef>
+      <a:effectRef idx="3">
+        <a:scrgbClr r="0" g="0" b="0"/>
+      </a:effectRef>
+      <a:fontRef idx="minor">
+        <a:schemeClr val="lt1"/>
+      </a:fontRef>
+    </dgm:style>
+  </dgm:styleLbl>
+  <dgm:styleLbl name="fgSibTrans2D1">
+    <dgm:scene3d>
+      <a:camera prst="orthographicFront"/>
+      <a:lightRig rig="threePt" dir="t"/>
+    </dgm:scene3d>
+    <dgm:sp3d/>
+    <dgm:txPr/>
+    <dgm:style>
+      <a:lnRef idx="0">
+        <a:scrgbClr r="0" g="0" b="0"/>
+      </a:lnRef>
+      <a:fillRef idx="3">
+        <a:scrgbClr r="0" g="0" b="0"/>
+      </a:fillRef>
+      <a:effectRef idx="3">
+        <a:scrgbClr r="0" g="0" b="0"/>
+      </a:effectRef>
+      <a:fontRef idx="minor">
+        <a:schemeClr val="lt1"/>
+      </a:fontRef>
+    </dgm:style>
+  </dgm:styleLbl>
+  <dgm:styleLbl name="bgSibTrans2D1">
+    <dgm:scene3d>
+      <a:camera prst="orthographicFront"/>
+      <a:lightRig rig="threePt" dir="t"/>
+    </dgm:scene3d>
+    <dgm:sp3d/>
+    <dgm:txPr/>
+    <dgm:style>
+      <a:lnRef idx="0">
+        <a:scrgbClr r="0" g="0" b="0"/>
+      </a:lnRef>
+      <a:fillRef idx="3">
+        <a:scrgbClr r="0" g="0" b="0"/>
+      </a:fillRef>
+      <a:effectRef idx="3">
+        <a:scrgbClr r="0" g="0" b="0"/>
+      </a:effectRef>
+      <a:fontRef idx="minor">
+        <a:schemeClr val="lt1"/>
+      </a:fontRef>
+    </dgm:style>
+  </dgm:styleLbl>
+  <dgm:styleLbl name="sibTrans1D1">
+    <dgm:scene3d>
+      <a:camera prst="orthographicFront"/>
+      <a:lightRig rig="threePt" dir="t"/>
+    </dgm:scene3d>
+    <dgm:sp3d/>
+    <dgm:txPr/>
+    <dgm:style>
+      <a:lnRef idx="1">
+        <a:scrgbClr r="0" g="0" b="0"/>
+      </a:lnRef>
+      <a:fillRef idx="0">
+        <a:scrgbClr r="0" g="0" b="0"/>
+      </a:fillRef>
+      <a:effectRef idx="0">
+        <a:scrgbClr r="0" g="0" b="0"/>
+      </a:effectRef>
+      <a:fontRef idx="minor"/>
+    </dgm:style>
+  </dgm:styleLbl>
+  <dgm:styleLbl name="callout">
+    <dgm:scene3d>
+      <a:camera prst="orthographicFront"/>
+      <a:lightRig rig="threePt" dir="t"/>
+    </dgm:scene3d>
+    <dgm:sp3d/>
+    <dgm:txPr/>
+    <dgm:style>
+      <a:lnRef idx="1">
+        <a:scrgbClr r="0" g="0" b="0"/>
+      </a:lnRef>
+      <a:fillRef idx="0">
+        <a:scrgbClr r="0" g="0" b="0"/>
+      </a:fillRef>
+      <a:effectRef idx="1">
+        <a:scrgbClr r="0" g="0" b="0"/>
+      </a:effectRef>
+      <a:fontRef idx="minor"/>
+    </dgm:style>
+  </dgm:styleLbl>
+  <dgm:styleLbl name="asst0">
+    <dgm:scene3d>
+      <a:camera prst="orthographicFront"/>
+      <a:lightRig rig="threePt" dir="t"/>
+    </dgm:scene3d>
+    <dgm:sp3d/>
+    <dgm:txPr/>
+    <dgm:style>
+      <a:lnRef idx="0">
+        <a:scrgbClr r="0" g="0" b="0"/>
+      </a:lnRef>
+      <a:fillRef idx="3">
+        <a:scrgbClr r="0" g="0" b="0"/>
+      </a:fillRef>
+      <a:effectRef idx="3">
+        <a:scrgbClr r="0" g="0" b="0"/>
+      </a:effectRef>
+      <a:fontRef idx="minor">
+        <a:schemeClr val="lt1"/>
+      </a:fontRef>
+    </dgm:style>
+  </dgm:styleLbl>
+  <dgm:styleLbl name="asst1">
+    <dgm:scene3d>
+      <a:camera prst="orthographicFront"/>
+      <a:lightRig rig="threePt" dir="t"/>
+    </dgm:scene3d>
+    <dgm:sp3d/>
+    <dgm:txPr/>
+    <dgm:style>
+      <a:lnRef idx="0">
+        <a:scrgbClr r="0" g="0" b="0"/>
+      </a:lnRef>
+      <a:fillRef idx="3">
+        <a:scrgbClr r="0" g="0" b="0"/>
+      </a:fillRef>
+      <a:effectRef idx="3">
+        <a:scrgbClr r="0" g="0" b="0"/>
+      </a:effectRef>
+      <a:fontRef idx="minor">
+        <a:schemeClr val="lt1"/>
+      </a:fontRef>
+    </dgm:style>
+  </dgm:styleLbl>
+  <dgm:styleLbl name="asst2">
+    <dgm:scene3d>
+      <a:camera prst="orthographicFront"/>
+      <a:lightRig rig="threePt" dir="t"/>
+    </dgm:scene3d>
+    <dgm:sp3d/>
+    <dgm:txPr/>
+    <dgm:style>
+      <a:lnRef idx="0">
+        <a:scrgbClr r="0" g="0" b="0"/>
+      </a:lnRef>
+      <a:fillRef idx="3">
+        <a:scrgbClr r="0" g="0" b="0"/>
+      </a:fillRef>
+      <a:effectRef idx="3">
+        <a:scrgbClr r="0" g="0" b="0"/>
+      </a:effectRef>
+      <a:fontRef idx="minor">
+        <a:schemeClr val="lt1"/>
+      </a:fontRef>
+    </dgm:style>
+  </dgm:styleLbl>
+  <dgm:styleLbl name="asst3">
+    <dgm:scene3d>
+      <a:camera prst="orthographicFront"/>
+      <a:lightRig rig="threePt" dir="t"/>
+    </dgm:scene3d>
+    <dgm:sp3d/>
+    <dgm:txPr/>
+    <dgm:style>
+      <a:lnRef idx="0">
+        <a:scrgbClr r="0" g="0" b="0"/>
+      </a:lnRef>
+      <a:fillRef idx="3">
+        <a:scrgbClr r="0" g="0" b="0"/>
+      </a:fillRef>
+      <a:effectRef idx="3">
+        <a:scrgbClr r="0" g="0" b="0"/>
+      </a:effectRef>
+      <a:fontRef idx="minor">
+        <a:schemeClr val="lt1"/>
+      </a:fontRef>
+    </dgm:style>
+  </dgm:styleLbl>
+  <dgm:styleLbl name="asst4">
+    <dgm:scene3d>
+      <a:camera prst="orthographicFront"/>
+      <a:lightRig rig="threePt" dir="t"/>
+    </dgm:scene3d>
+    <dgm:sp3d/>
+    <dgm:txPr/>
+    <dgm:style>
+      <a:lnRef idx="0">
+        <a:scrgbClr r="0" g="0" b="0"/>
+      </a:lnRef>
+      <a:fillRef idx="3">
+        <a:scrgbClr r="0" g="0" b="0"/>
+      </a:fillRef>
+      <a:effectRef idx="3">
+        <a:scrgbClr r="0" g="0" b="0"/>
+      </a:effectRef>
+      <a:fontRef idx="minor">
+        <a:schemeClr val="lt1"/>
+      </a:fontRef>
+    </dgm:style>
+  </dgm:styleLbl>
+  <dgm:styleLbl name="parChTrans2D1">
+    <dgm:scene3d>
+      <a:camera prst="orthographicFront"/>
+      <a:lightRig rig="threePt" dir="t"/>
+    </dgm:scene3d>
+    <dgm:sp3d/>
+    <dgm:txPr/>
+    <dgm:style>
+      <a:lnRef idx="0">
+        <a:scrgbClr r="0" g="0" b="0"/>
+      </a:lnRef>
+      <a:fillRef idx="3">
+        <a:scrgbClr r="0" g="0" b="0"/>
+      </a:fillRef>
+      <a:effectRef idx="3">
+        <a:scrgbClr r="0" g="0" b="0"/>
+      </a:effectRef>
+      <a:fontRef idx="minor">
+        <a:schemeClr val="lt1"/>
+      </a:fontRef>
+    </dgm:style>
+  </dgm:styleLbl>
+  <dgm:styleLbl name="parChTrans2D2">
+    <dgm:scene3d>
+      <a:camera prst="orthographicFront"/>
+      <a:lightRig rig="threePt" dir="t"/>
+    </dgm:scene3d>
+    <dgm:sp3d/>
+    <dgm:txPr/>
+    <dgm:style>
+      <a:lnRef idx="0">
+        <a:scrgbClr r="0" g="0" b="0"/>
+      </a:lnRef>
+      <a:fillRef idx="3">
+        <a:scrgbClr r="0" g="0" b="0"/>
+      </a:fillRef>
+      <a:effectRef idx="3">
+        <a:scrgbClr r="0" g="0" b="0"/>
+      </a:effectRef>
+      <a:fontRef idx="minor">
+        <a:schemeClr val="lt1"/>
+      </a:fontRef>
+    </dgm:style>
+  </dgm:styleLbl>
+  <dgm:styleLbl name="parChTrans2D3">
+    <dgm:scene3d>
+      <a:camera prst="orthographicFront"/>
+      <a:lightRig rig="threePt" dir="t"/>
+    </dgm:scene3d>
+    <dgm:sp3d/>
+    <dgm:txPr/>
+    <dgm:style>
+      <a:lnRef idx="0">
+        <a:scrgbClr r="0" g="0" b="0"/>
+      </a:lnRef>
+      <a:fillRef idx="3">
+        <a:scrgbClr r="0" g="0" b="0"/>
+      </a:fillRef>
+      <a:effectRef idx="3">
+        <a:scrgbClr r="0" g="0" b="0"/>
+      </a:effectRef>
+      <a:fontRef idx="minor">
+        <a:schemeClr val="lt1"/>
+      </a:fontRef>
+    </dgm:style>
+  </dgm:styleLbl>
+  <dgm:styleLbl name="parChTrans2D4">
+    <dgm:scene3d>
+      <a:camera prst="orthographicFront"/>
+      <a:lightRig rig="threePt" dir="t"/>
+    </dgm:scene3d>
+    <dgm:sp3d/>
+    <dgm:txPr/>
+    <dgm:style>
+      <a:lnRef idx="0">
+        <a:scrgbClr r="0" g="0" b="0"/>
+      </a:lnRef>
+      <a:fillRef idx="3">
+        <a:scrgbClr r="0" g="0" b="0"/>
+      </a:fillRef>
+      <a:effectRef idx="3">
+        <a:scrgbClr r="0" g="0" b="0"/>
+      </a:effectRef>
+      <a:fontRef idx="minor">
+        <a:schemeClr val="lt1"/>
+      </a:fontRef>
+    </dgm:style>
+  </dgm:styleLbl>
+  <dgm:styleLbl name="parChTrans1D1">
+    <dgm:scene3d>
+      <a:camera prst="orthographicFront"/>
+      <a:lightRig rig="threePt" dir="t"/>
+    </dgm:scene3d>
+    <dgm:sp3d/>
+    <dgm:txPr/>
+    <dgm:style>
+      <a:lnRef idx="2">
+        <a:scrgbClr r="0" g="0" b="0"/>
+      </a:lnRef>
+      <a:fillRef idx="0">
+        <a:scrgbClr r="0" g="0" b="0"/>
+      </a:fillRef>
+      <a:effectRef idx="0">
+        <a:scrgbClr r="0" g="0" b="0"/>
+      </a:effectRef>
+      <a:fontRef idx="minor"/>
+    </dgm:style>
+  </dgm:styleLbl>
+  <dgm:styleLbl name="parChTrans1D2">
+    <dgm:scene3d>
+      <a:camera prst="orthographicFront"/>
+      <a:lightRig rig="threePt" dir="t"/>
+    </dgm:scene3d>
+    <dgm:sp3d/>
+    <dgm:txPr/>
+    <dgm:style>
+      <a:lnRef idx="2">
+        <a:scrgbClr r="0" g="0" b="0"/>
+      </a:lnRef>
+      <a:fillRef idx="0">
+        <a:scrgbClr r="0" g="0" b="0"/>
+      </a:fillRef>
+      <a:effectRef idx="0">
+        <a:scrgbClr r="0" g="0" b="0"/>
+      </a:effectRef>
+      <a:fontRef idx="minor"/>
+    </dgm:style>
+  </dgm:styleLbl>
+  <dgm:styleLbl name="parChTrans1D3">
+    <dgm:scene3d>
+      <a:camera prst="orthographicFront"/>
+      <a:lightRig rig="threePt" dir="t"/>
+    </dgm:scene3d>
+    <dgm:sp3d/>
+    <dgm:txPr/>
+    <dgm:style>
+      <a:lnRef idx="2">
+        <a:scrgbClr r="0" g="0" b="0"/>
+      </a:lnRef>
+      <a:fillRef idx="0">
+        <a:scrgbClr r="0" g="0" b="0"/>
+      </a:fillRef>
+      <a:effectRef idx="0">
+        <a:scrgbClr r="0" g="0" b="0"/>
+      </a:effectRef>
+      <a:fontRef idx="minor"/>
+    </dgm:style>
+  </dgm:styleLbl>
+  <dgm:styleLbl name="parChTrans1D4">
+    <dgm:scene3d>
+      <a:camera prst="orthographicFront"/>
+      <a:lightRig rig="threePt" dir="t"/>
+    </dgm:scene3d>
+    <dgm:sp3d/>
+    <dgm:txPr/>
+    <dgm:style>
+      <a:lnRef idx="2">
+        <a:scrgbClr r="0" g="0" b="0"/>
+      </a:lnRef>
+      <a:fillRef idx="0">
+        <a:scrgbClr r="0" g="0" b="0"/>
+      </a:fillRef>
+      <a:effectRef idx="0">
+        <a:scrgbClr r="0" g="0" b="0"/>
+      </a:effectRef>
+      <a:fontRef idx="minor"/>
+    </dgm:style>
+  </dgm:styleLbl>
+  <dgm:styleLbl name="fgAcc1">
+    <dgm:scene3d>
+      <a:camera prst="orthographicFront"/>
+      <a:lightRig rig="threePt" dir="t"/>
+    </dgm:scene3d>
+    <dgm:sp3d/>
+    <dgm:txPr/>
+    <dgm:style>
+      <a:lnRef idx="1">
+        <a:scrgbClr r="0" g="0" b="0"/>
+      </a:lnRef>
+      <a:fillRef idx="1">
+        <a:scrgbClr r="0" g="0" b="0"/>
+      </a:fillRef>
+      <a:effectRef idx="2">
+        <a:scrgbClr r="0" g="0" b="0"/>
+      </a:effectRef>
+      <a:fontRef idx="minor"/>
+    </dgm:style>
+  </dgm:styleLbl>
+  <dgm:styleLbl name="conFgAcc1">
+    <dgm:scene3d>
+      <a:camera prst="orthographicFront"/>
+      <a:lightRig rig="threePt" dir="t"/>
+    </dgm:scene3d>
+    <dgm:sp3d/>
+    <dgm:txPr/>
+    <dgm:style>
+      <a:lnRef idx="1">
+        <a:scrgbClr r="0" g="0" b="0"/>
+      </a:lnRef>
+      <a:fillRef idx="1">
+        <a:scrgbClr r="0" g="0" b="0"/>
+      </a:fillRef>
+      <a:effectRef idx="2">
+        <a:scrgbClr r="0" g="0" b="0"/>
+      </a:effectRef>
+      <a:fontRef idx="minor"/>
+    </dgm:style>
+  </dgm:styleLbl>
+  <dgm:styleLbl name="alignAcc1">
+    <dgm:scene3d>
+      <a:camera prst="orthographicFront"/>
+      <a:lightRig rig="threePt" dir="t"/>
+    </dgm:scene3d>
+    <dgm:sp3d/>
+    <dgm:txPr/>
+    <dgm:style>
+      <a:lnRef idx="1">
+        <a:scrgbClr r="0" g="0" b="0"/>
+      </a:lnRef>
+      <a:fillRef idx="1">
+        <a:scrgbClr r="0" g="0" b="0"/>
+      </a:fillRef>
+      <a:effectRef idx="2">
+        <a:scrgbClr r="0" g="0" b="0"/>
+      </a:effectRef>
+      <a:fontRef idx="minor"/>
+    </dgm:style>
+  </dgm:styleLbl>
+  <dgm:styleLbl name="trAlignAcc1">
+    <dgm:scene3d>
+      <a:camera prst="orthographicFront"/>
+      <a:lightRig rig="threePt" dir="t"/>
+    </dgm:scene3d>
+    <dgm:sp3d/>
+    <dgm:txPr/>
+    <dgm:style>
+      <a:lnRef idx="1">
+        <a:scrgbClr r="0" g="0" b="0"/>
+      </a:lnRef>
+      <a:fillRef idx="1">
+        <a:scrgbClr r="0" g="0" b="0"/>
+      </a:fillRef>
+      <a:effectRef idx="0">
+        <a:scrgbClr r="0" g="0" b="0"/>
+      </a:effectRef>
+      <a:fontRef idx="minor"/>
+    </dgm:style>
+  </dgm:styleLbl>
+  <dgm:styleLbl name="bgAcc1">
+    <dgm:scene3d>
+      <a:camera prst="orthographicFront"/>
+      <a:lightRig rig="threePt" dir="t"/>
+    </dgm:scene3d>
+    <dgm:sp3d/>
+    <dgm:txPr/>
+    <dgm:style>
+      <a:lnRef idx="1">
+        <a:scrgbClr r="0" g="0" b="0"/>
+      </a:lnRef>
+      <a:fillRef idx="1">
+        <a:scrgbClr r="0" g="0" b="0"/>
+      </a:fillRef>
+      <a:effectRef idx="2">
+        <a:scrgbClr r="0" g="0" b="0"/>
+      </a:effectRef>
+      <a:fontRef idx="minor"/>
+    </dgm:style>
+  </dgm:styleLbl>
+  <dgm:styleLbl name="solidFgAcc1">
+    <dgm:scene3d>
+      <a:camera prst="orthographicFront"/>
+      <a:lightRig rig="threePt" dir="t"/>
+    </dgm:scene3d>
+    <dgm:sp3d/>
+    <dgm:txPr/>
+    <dgm:style>
+      <a:lnRef idx="1">
+        <a:scrgbClr r="0" g="0" b="0"/>
+      </a:lnRef>
+      <a:fillRef idx="1">
+        <a:scrgbClr r="0" g="0" b="0"/>
+      </a:fillRef>
+      <a:effectRef idx="2">
+        <a:scrgbClr r="0" g="0" b="0"/>
+      </a:effectRef>
+      <a:fontRef idx="minor"/>
+    </dgm:style>
+  </dgm:styleLbl>
+  <dgm:styleLbl name="solidAlignAcc1">
+    <dgm:scene3d>
+      <a:camera prst="orthographicFront"/>
+      <a:lightRig rig="threePt" dir="t"/>
+    </dgm:scene3d>
+    <dgm:sp3d/>
+    <dgm:txPr/>
+    <dgm:style>
+      <a:lnRef idx="1">
+        <a:scrgbClr r="0" g="0" b="0"/>
+      </a:lnRef>
+      <a:fillRef idx="1">
+        <a:scrgbClr r="0" g="0" b="0"/>
+      </a:fillRef>
+      <a:effectRef idx="3">
+        <a:scrgbClr r="0" g="0" b="0"/>
+      </a:effectRef>
+      <a:fontRef idx="minor"/>
+    </dgm:style>
+  </dgm:styleLbl>
+  <dgm:styleLbl name="solidBgAcc1">
+    <dgm:scene3d>
+      <a:camera prst="orthographicFront"/>
+      <a:lightRig rig="threePt" dir="t"/>
+    </dgm:scene3d>
+    <dgm:sp3d/>
+    <dgm:txPr/>
+    <dgm:style>
+      <a:lnRef idx="1">
+        <a:scrgbClr r="0" g="0" b="0"/>
+      </a:lnRef>
+      <a:fillRef idx="1">
+        <a:scrgbClr r="0" g="0" b="0"/>
+      </a:fillRef>
+      <a:effectRef idx="3">
+        <a:scrgbClr r="0" g="0" b="0"/>
+      </a:effectRef>
+      <a:fontRef idx="minor"/>
+    </dgm:style>
+  </dgm:styleLbl>
+  <dgm:styleLbl name="fgAccFollowNode1">
+    <dgm:scene3d>
+      <a:camera prst="orthographicFront"/>
+      <a:lightRig rig="threePt" dir="t"/>
+    </dgm:scene3d>
+    <dgm:sp3d/>
+    <dgm:txPr/>
+    <dgm:style>
+      <a:lnRef idx="1">
+        <a:scrgbClr r="0" g="0" b="0"/>
+      </a:lnRef>
+      <a:fillRef idx="1">
+        <a:scrgbClr r="0" g="0" b="0"/>
+      </a:fillRef>
+      <a:effectRef idx="2">
+        <a:scrgbClr r="0" g="0" b="0"/>
+      </a:effectRef>
+      <a:fontRef idx="minor"/>
+    </dgm:style>
+  </dgm:styleLbl>
+  <dgm:styleLbl name="alignAccFollowNode1">
+    <dgm:scene3d>
+      <a:camera prst="orthographicFront"/>
+      <a:lightRig rig="threePt" dir="t"/>
+    </dgm:scene3d>
+    <dgm:sp3d/>
+    <dgm:txPr/>
+    <dgm:style>
+      <a:lnRef idx="1">
+        <a:scrgbClr r="0" g="0" b="0"/>
+      </a:lnRef>
+      <a:fillRef idx="1">
+        <a:scrgbClr r="0" g="0" b="0"/>
+      </a:fillRef>
+      <a:effectRef idx="2">
+        <a:scrgbClr r="0" g="0" b="0"/>
+      </a:effectRef>
+      <a:fontRef idx="minor"/>
+    </dgm:style>
+  </dgm:styleLbl>
+  <dgm:styleLbl name="bgAccFollowNode1">
+    <dgm:scene3d>
+      <a:camera prst="orthographicFront"/>
+      <a:lightRig rig="threePt" dir="t"/>
+    </dgm:scene3d>
+    <dgm:sp3d/>
+    <dgm:txPr/>
+    <dgm:style>
+      <a:lnRef idx="1">
+        <a:scrgbClr r="0" g="0" b="0"/>
+      </a:lnRef>
+      <a:fillRef idx="1">
+        <a:scrgbClr r="0" g="0" b="0"/>
+      </a:fillRef>
+      <a:effectRef idx="2">
+        <a:scrgbClr r="0" g="0" b="0"/>
+      </a:effectRef>
+      <a:fontRef idx="minor"/>
+    </dgm:style>
+  </dgm:styleLbl>
+  <dgm:styleLbl name="fgAcc0">
+    <dgm:scene3d>
+      <a:camera prst="orthographicFront"/>
+      <a:lightRig rig="threePt" dir="t"/>
+    </dgm:scene3d>
+    <dgm:sp3d/>
+    <dgm:txPr/>
+    <dgm:style>
+      <a:lnRef idx="1">
+        <a:scrgbClr r="0" g="0" b="0"/>
+      </a:lnRef>
+      <a:fillRef idx="1">
+        <a:scrgbClr r="0" g="0" b="0"/>
+      </a:fillRef>
+      <a:effectRef idx="2">
+        <a:scrgbClr r="0" g="0" b="0"/>
+      </a:effectRef>
+      <a:fontRef idx="minor"/>
+    </dgm:style>
+  </dgm:styleLbl>
+  <dgm:styleLbl name="fgAcc2">
+    <dgm:scene3d>
+      <a:camera prst="orthographicFront"/>
+      <a:lightRig rig="threePt" dir="t"/>
+    </dgm:scene3d>
+    <dgm:sp3d/>
+    <dgm:txPr/>
+    <dgm:style>
+      <a:lnRef idx="1">
+        <a:scrgbClr r="0" g="0" b="0"/>
+      </a:lnRef>
+      <a:fillRef idx="1">
+        <a:scrgbClr r="0" g="0" b="0"/>
+      </a:fillRef>
+      <a:effectRef idx="2">
+        <a:scrgbClr r="0" g="0" b="0"/>
+      </a:effectRef>
+      <a:fontRef idx="minor"/>
+    </dgm:style>
+  </dgm:styleLbl>
+  <dgm:styleLbl name="fgAcc3">
+    <dgm:scene3d>
+      <a:camera prst="orthographicFront"/>
+      <a:lightRig rig="threePt" dir="t"/>
+    </dgm:scene3d>
+    <dgm:sp3d/>
+    <dgm:txPr/>
+    <dgm:style>
+      <a:lnRef idx="1">
+        <a:scrgbClr r="0" g="0" b="0"/>
+      </a:lnRef>
+      <a:fillRef idx="1">
+        <a:scrgbClr r="0" g="0" b="0"/>
+      </a:fillRef>
+      <a:effectRef idx="2">
+        <a:scrgbClr r="0" g="0" b="0"/>
+      </a:effectRef>
+      <a:fontRef idx="minor"/>
+    </dgm:style>
+  </dgm:styleLbl>
+  <dgm:styleLbl name="fgAcc4">
+    <dgm:scene3d>
+      <a:camera prst="orthographicFront"/>
+      <a:lightRig rig="threePt" dir="t"/>
+    </dgm:scene3d>
+    <dgm:sp3d/>
+    <dgm:txPr/>
+    <dgm:style>
+      <a:lnRef idx="1">
+        <a:scrgbClr r="0" g="0" b="0"/>
+      </a:lnRef>
+      <a:fillRef idx="1">
+        <a:scrgbClr r="0" g="0" b="0"/>
+      </a:fillRef>
+      <a:effectRef idx="2">
+        <a:scrgbClr r="0" g="0" b="0"/>
+      </a:effectRef>
+      <a:fontRef idx="minor"/>
+    </dgm:style>
+  </dgm:styleLbl>
+  <dgm:styleLbl name="bgShp">
+    <dgm:scene3d>
+      <a:camera prst="orthographicFront"/>
+      <a:lightRig rig="threePt" dir="t"/>
+    </dgm:scene3d>
+    <dgm:sp3d/>
+    <dgm:txPr/>
+    <dgm:style>
+      <a:lnRef idx="0">
+        <a:scrgbClr r="0" g="0" b="0"/>
+      </a:lnRef>
+      <a:fillRef idx="1">
+        <a:scrgbClr r="0" g="0" b="0"/>
+      </a:fillRef>
+      <a:effectRef idx="2">
+        <a:scrgbClr r="0" g="0" b="0"/>
+      </a:effectRef>
+      <a:fontRef idx="minor"/>
+    </dgm:style>
+  </dgm:styleLbl>
+  <dgm:styleLbl name="dkBgShp">
+    <dgm:scene3d>
+      <a:camera prst="orthographicFront"/>
+      <a:lightRig rig="threePt" dir="t"/>
+    </dgm:scene3d>
+    <dgm:sp3d/>
+    <dgm:txPr/>
+    <dgm:style>
+      <a:lnRef idx="0">
+        <a:scrgbClr r="0" g="0" b="0"/>
+      </a:lnRef>
+      <a:fillRef idx="1">
+        <a:scrgbClr r="0" g="0" b="0"/>
+      </a:fillRef>
+      <a:effectRef idx="3">
+        <a:scrgbClr r="0" g="0" b="0"/>
+      </a:effectRef>
+      <a:fontRef idx="minor"/>
+    </dgm:style>
+  </dgm:styleLbl>
+  <dgm:styleLbl name="trBgShp">
+    <dgm:scene3d>
+      <a:camera prst="orthographicFront"/>
+      <a:lightRig rig="threePt" dir="t"/>
+    </dgm:scene3d>
+    <dgm:sp3d/>
+    <dgm:txPr/>
+    <dgm:style>
+      <a:lnRef idx="0">
+        <a:scrgbClr r="0" g="0" b="0"/>
+      </a:lnRef>
+      <a:fillRef idx="1">
+        <a:scrgbClr r="0" g="0" b="0"/>
+      </a:fillRef>
+      <a:effectRef idx="0">
+        <a:scrgbClr r="0" g="0" b="0"/>
+      </a:effectRef>
+      <a:fontRef idx="minor"/>
+    </dgm:style>
+  </dgm:styleLbl>
+  <dgm:styleLbl name="fgShp">
+    <dgm:scene3d>
+      <a:camera prst="orthographicFront"/>
+      <a:lightRig rig="threePt" dir="t"/>
+    </dgm:scene3d>
+    <dgm:sp3d/>
+    <dgm:txPr/>
+    <dgm:style>
+      <a:lnRef idx="0">
+        <a:scrgbClr r="0" g="0" b="0"/>
+      </a:lnRef>
+      <a:fillRef idx="3">
+        <a:scrgbClr r="0" g="0" b="0"/>
+      </a:fillRef>
+      <a:effectRef idx="3">
+        <a:scrgbClr r="0" g="0" b="0"/>
+      </a:effectRef>
+      <a:fontRef idx="minor"/>
+    </dgm:style>
+  </dgm:styleLbl>
+  <dgm:styleLbl name="revTx">
+    <dgm:scene3d>
+      <a:camera prst="orthographicFront"/>
+      <a:lightRig rig="threePt" dir="t"/>
+    </dgm:scene3d>
+    <dgm:sp3d/>
+    <dgm:txPr/>
+    <dgm:style>
+      <a:lnRef idx="0">
+        <a:scrgbClr r="0" g="0" b="0"/>
+      </a:lnRef>
+      <a:fillRef idx="0">
+        <a:scrgbClr r="0" g="0" b="0"/>
+      </a:fillRef>
+      <a:effectRef idx="0">
+        <a:scrgbClr r="0" g="0" b="0"/>
+      </a:effectRef>
+      <a:fontRef idx="minor"/>
+    </dgm:style>
+  </dgm:styleLbl>
+</dgm:styleDef>
+</file>
+
 <file path=ppt/slideLayouts/slideLayout1.xml><?xml version="1.0" encoding="utf-8"?>
 <p:sldLayout xmlns:a="http://schemas.openxmlformats.org/drawingml/2006/main" xmlns:r="http://schemas.openxmlformats.org/officeDocument/2006/relationships" xmlns:p="http://schemas.openxmlformats.org/presentationml/2006/main" type="title" preserve="1">
   <p:cSld name="Title Slide">
@@ -261,7 +3474,7 @@
           <a:p>
             <a:fld id="{34F23317-583F-3D40-BCB3-8DED182609EF}" type="datetimeFigureOut">
               <a:rPr lang="en-CN" smtClean="0"/>
-              <a:t>2022/5/5</a:t>
+              <a:t>2022/6/7</a:t>
             </a:fld>
             <a:endParaRPr lang="en-CN"/>
           </a:p>
@@ -461,7 +3674,7 @@
           <a:p>
             <a:fld id="{34F23317-583F-3D40-BCB3-8DED182609EF}" type="datetimeFigureOut">
               <a:rPr lang="en-CN" smtClean="0"/>
-              <a:t>2022/5/5</a:t>
+              <a:t>2022/6/7</a:t>
             </a:fld>
             <a:endParaRPr lang="en-CN"/>
           </a:p>
@@ -671,7 +3884,7 @@
           <a:p>
             <a:fld id="{34F23317-583F-3D40-BCB3-8DED182609EF}" type="datetimeFigureOut">
               <a:rPr lang="en-CN" smtClean="0"/>
-              <a:t>2022/5/5</a:t>
+              <a:t>2022/6/7</a:t>
             </a:fld>
             <a:endParaRPr lang="en-CN"/>
           </a:p>
@@ -871,7 +4084,7 @@
           <a:p>
             <a:fld id="{34F23317-583F-3D40-BCB3-8DED182609EF}" type="datetimeFigureOut">
               <a:rPr lang="en-CN" smtClean="0"/>
-              <a:t>2022/5/5</a:t>
+              <a:t>2022/6/7</a:t>
             </a:fld>
             <a:endParaRPr lang="en-CN"/>
           </a:p>
@@ -1147,7 +4360,7 @@
           <a:p>
             <a:fld id="{34F23317-583F-3D40-BCB3-8DED182609EF}" type="datetimeFigureOut">
               <a:rPr lang="en-CN" smtClean="0"/>
-              <a:t>2022/5/5</a:t>
+              <a:t>2022/6/7</a:t>
             </a:fld>
             <a:endParaRPr lang="en-CN"/>
           </a:p>
@@ -1415,7 +4628,7 @@
           <a:p>
             <a:fld id="{34F23317-583F-3D40-BCB3-8DED182609EF}" type="datetimeFigureOut">
               <a:rPr lang="en-CN" smtClean="0"/>
-              <a:t>2022/5/5</a:t>
+              <a:t>2022/6/7</a:t>
             </a:fld>
             <a:endParaRPr lang="en-CN"/>
           </a:p>
@@ -1830,7 +5043,7 @@
           <a:p>
             <a:fld id="{34F23317-583F-3D40-BCB3-8DED182609EF}" type="datetimeFigureOut">
               <a:rPr lang="en-CN" smtClean="0"/>
-              <a:t>2022/5/5</a:t>
+              <a:t>2022/6/7</a:t>
             </a:fld>
             <a:endParaRPr lang="en-CN"/>
           </a:p>
@@ -1972,7 +5185,7 @@
           <a:p>
             <a:fld id="{34F23317-583F-3D40-BCB3-8DED182609EF}" type="datetimeFigureOut">
               <a:rPr lang="en-CN" smtClean="0"/>
-              <a:t>2022/5/5</a:t>
+              <a:t>2022/6/7</a:t>
             </a:fld>
             <a:endParaRPr lang="en-CN"/>
           </a:p>
@@ -2085,7 +5298,7 @@
           <a:p>
             <a:fld id="{34F23317-583F-3D40-BCB3-8DED182609EF}" type="datetimeFigureOut">
               <a:rPr lang="en-CN" smtClean="0"/>
-              <a:t>2022/5/5</a:t>
+              <a:t>2022/6/7</a:t>
             </a:fld>
             <a:endParaRPr lang="en-CN"/>
           </a:p>
@@ -2398,7 +5611,7 @@
           <a:p>
             <a:fld id="{34F23317-583F-3D40-BCB3-8DED182609EF}" type="datetimeFigureOut">
               <a:rPr lang="en-CN" smtClean="0"/>
-              <a:t>2022/5/5</a:t>
+              <a:t>2022/6/7</a:t>
             </a:fld>
             <a:endParaRPr lang="en-CN"/>
           </a:p>
@@ -2687,7 +5900,7 @@
           <a:p>
             <a:fld id="{34F23317-583F-3D40-BCB3-8DED182609EF}" type="datetimeFigureOut">
               <a:rPr lang="en-CN" smtClean="0"/>
-              <a:t>2022/5/5</a:t>
+              <a:t>2022/6/7</a:t>
             </a:fld>
             <a:endParaRPr lang="en-CN"/>
           </a:p>
@@ -2930,7 +6143,7 @@
           <a:p>
             <a:fld id="{34F23317-583F-3D40-BCB3-8DED182609EF}" type="datetimeFigureOut">
               <a:rPr lang="en-CN" smtClean="0"/>
-              <a:t>2022/5/5</a:t>
+              <a:t>2022/6/7</a:t>
             </a:fld>
             <a:endParaRPr lang="en-CN"/>
           </a:p>
@@ -3361,8 +6574,8 @@
         </p:nvSpPr>
         <p:spPr>
           <a:xfrm>
-            <a:off x="600075" y="4835525"/>
-            <a:ext cx="7720330" cy="1480185"/>
+            <a:off x="2524273" y="4212523"/>
+            <a:ext cx="7143454" cy="1708998"/>
           </a:xfrm>
           <a:prstGeom prst="rect">
             <a:avLst/>
@@ -3396,7 +6609,11 @@
           <a:lstStyle/>
           <a:p>
             <a:pPr algn="ctr"/>
-            <a:endParaRPr lang="zh-CN" altLang="en-US"/>
+            <a:r>
+              <a:rPr lang="en-US" altLang="zh-CN" dirty="0"/>
+              <a:t>multimedia security</a:t>
+            </a:r>
+            <a:endParaRPr lang="zh-CN" altLang="en-US" dirty="0"/>
           </a:p>
         </p:txBody>
       </p:sp>
@@ -3414,10 +6631,10 @@
         </p:nvGrpSpPr>
         <p:grpSpPr>
           <a:xfrm>
-            <a:off x="951230" y="4961890"/>
-            <a:ext cx="1488440" cy="1314450"/>
-            <a:chOff x="3753" y="6968"/>
-            <a:chExt cx="2344" cy="2070"/>
+            <a:off x="3130379" y="4494590"/>
+            <a:ext cx="2199005" cy="1336675"/>
+            <a:chOff x="3051" y="6968"/>
+            <a:chExt cx="3463" cy="2105"/>
           </a:xfrm>
         </p:grpSpPr>
         <p:pic>
@@ -3445,9 +6662,27 @@
               <a:off x="3867" y="6968"/>
               <a:ext cx="2117" cy="1587"/>
             </a:xfrm>
-            <a:prstGeom prst="rect">
-              <a:avLst/>
+            <a:prstGeom prst="roundRect">
+              <a:avLst>
+                <a:gd name="adj" fmla="val 16667"/>
+              </a:avLst>
             </a:prstGeom>
+            <a:ln>
+              <a:noFill/>
+            </a:ln>
+            <a:effectLst/>
+            <a:scene3d>
+              <a:camera prst="orthographicFront"/>
+              <a:lightRig rig="contrasting" dir="t">
+                <a:rot lat="0" lon="0" rev="4200000"/>
+              </a:lightRig>
+            </a:scene3d>
+            <a:sp3d prstMaterial="plastic">
+              <a:bevelT w="381000" h="114300" prst="relaxedInset"/>
+              <a:contourClr>
+                <a:srgbClr val="969696"/>
+              </a:contourClr>
+            </a:sp3d>
           </p:spPr>
         </p:pic>
         <p:sp>
@@ -3464,8 +6699,8 @@
           </p:nvSpPr>
           <p:spPr>
             <a:xfrm>
-              <a:off x="3753" y="8555"/>
-              <a:ext cx="2344" cy="483"/>
+              <a:off x="3051" y="8588"/>
+              <a:ext cx="3463" cy="485"/>
             </a:xfrm>
             <a:prstGeom prst="rect">
               <a:avLst/>
@@ -3480,108 +6715,115 @@
             <a:p>
               <a:pPr lvl="0" algn="ctr"/>
               <a:r>
-                <a:rPr lang="zh-CN" altLang="en-US" sz="1400">
+                <a:rPr lang="en-US" altLang="zh-CN" sz="1400" b="1" dirty="0">
                   <a:latin typeface="微软雅黑" panose="020B0503020204020204" charset="-122"/>
                   <a:ea typeface="微软雅黑" panose="020B0503020204020204" charset="-122"/>
                   <a:sym typeface="+mn-ea"/>
                 </a:rPr>
-                <a:t>应用密码学</a:t>
+                <a:t>Applied Cryptography</a:t>
               </a:r>
+              <a:endParaRPr lang="zh-CN" altLang="en-US" sz="1400" b="1" dirty="0">
+                <a:latin typeface="微软雅黑" panose="020B0503020204020204" charset="-122"/>
+                <a:ea typeface="微软雅黑" panose="020B0503020204020204" charset="-122"/>
+                <a:sym typeface="+mn-ea"/>
+              </a:endParaRPr>
             </a:p>
           </p:txBody>
         </p:sp>
       </p:grpSp>
-      <p:grpSp>
-        <p:nvGrpSpPr>
-          <p:cNvPr id="6" name="组合 15">
+      <p:pic>
+        <p:nvPicPr>
+          <p:cNvPr id="7" name="图片 7">
             <a:extLst>
               <a:ext uri="{FF2B5EF4-FFF2-40B4-BE49-F238E27FC236}">
-                <a16:creationId xmlns:a16="http://schemas.microsoft.com/office/drawing/2014/main" id="{0D0771E1-3204-8DEF-825C-17565D26C949}"/>
+                <a16:creationId xmlns:a16="http://schemas.microsoft.com/office/drawing/2014/main" id="{79698D88-02E0-CD8C-BE87-FFBAEF0BC9A7}"/>
               </a:ext>
             </a:extLst>
           </p:cNvPr>
-          <p:cNvGrpSpPr/>
+          <p:cNvPicPr>
+            <a:picLocks noChangeAspect="1"/>
+          </p:cNvPicPr>
           <p:nvPr/>
-        </p:nvGrpSpPr>
-        <p:grpSpPr>
+        </p:nvPicPr>
+        <p:blipFill>
+          <a:blip r:embed="rId3"/>
+          <a:stretch>
+            <a:fillRect/>
+          </a:stretch>
+        </p:blipFill>
+        <p:spPr>
           <a:xfrm>
-            <a:off x="1023620" y="933450"/>
-            <a:ext cx="1344295" cy="1301750"/>
-            <a:chOff x="8061" y="2191"/>
-            <a:chExt cx="2117" cy="2050"/>
+            <a:off x="2726202" y="973823"/>
+            <a:ext cx="1344295" cy="1007745"/>
           </a:xfrm>
-        </p:grpSpPr>
-        <p:pic>
-          <p:nvPicPr>
-            <p:cNvPr id="7" name="图片 7">
-              <a:extLst>
-                <a:ext uri="{FF2B5EF4-FFF2-40B4-BE49-F238E27FC236}">
-                  <a16:creationId xmlns:a16="http://schemas.microsoft.com/office/drawing/2014/main" id="{79698D88-02E0-CD8C-BE87-FFBAEF0BC9A7}"/>
-                </a:ext>
-              </a:extLst>
-            </p:cNvPr>
-            <p:cNvPicPr>
-              <a:picLocks noChangeAspect="1"/>
-            </p:cNvPicPr>
-            <p:nvPr/>
-          </p:nvPicPr>
-          <p:blipFill>
-            <a:blip r:embed="rId3"/>
-            <a:stretch>
-              <a:fillRect/>
-            </a:stretch>
-          </p:blipFill>
-          <p:spPr>
-            <a:xfrm>
-              <a:off x="8061" y="2191"/>
-              <a:ext cx="2117" cy="1587"/>
-            </a:xfrm>
-            <a:prstGeom prst="rect">
-              <a:avLst/>
-            </a:prstGeom>
-          </p:spPr>
-        </p:pic>
-        <p:sp>
-          <p:nvSpPr>
-            <p:cNvPr id="8" name="文本框 16">
-              <a:extLst>
-                <a:ext uri="{FF2B5EF4-FFF2-40B4-BE49-F238E27FC236}">
-                  <a16:creationId xmlns:a16="http://schemas.microsoft.com/office/drawing/2014/main" id="{355F0367-E63C-BF8F-C89D-B23BD1B6F86C}"/>
-                </a:ext>
-              </a:extLst>
-            </p:cNvPr>
-            <p:cNvSpPr txBox="1"/>
-            <p:nvPr/>
-          </p:nvSpPr>
-          <p:spPr>
-            <a:xfrm>
-              <a:off x="8095" y="3758"/>
-              <a:ext cx="2049" cy="483"/>
-            </a:xfrm>
-            <a:prstGeom prst="rect">
-              <a:avLst/>
-            </a:prstGeom>
+          <a:prstGeom prst="roundRect">
+            <a:avLst>
+              <a:gd name="adj" fmla="val 16667"/>
+            </a:avLst>
+          </a:prstGeom>
+          <a:ln>
             <a:noFill/>
-          </p:spPr>
-          <p:txBody>
-            <a:bodyPr wrap="square" rtlCol="0">
-              <a:spAutoFit/>
-            </a:bodyPr>
-            <a:lstStyle/>
-            <a:p>
-              <a:pPr lvl="0" algn="ctr"/>
-              <a:r>
-                <a:rPr lang="zh-CN" altLang="en-US" sz="1400">
-                  <a:latin typeface="微软雅黑" panose="020B0503020204020204" charset="-122"/>
-                  <a:ea typeface="微软雅黑" panose="020B0503020204020204" charset="-122"/>
-                  <a:sym typeface="+mn-ea"/>
-                </a:rPr>
-                <a:t>隐私保护</a:t>
-              </a:r>
-            </a:p>
-          </p:txBody>
-        </p:sp>
-      </p:grpSp>
+          </a:ln>
+          <a:effectLst/>
+          <a:scene3d>
+            <a:camera prst="orthographicFront"/>
+            <a:lightRig rig="contrasting" dir="t">
+              <a:rot lat="0" lon="0" rev="4200000"/>
+            </a:lightRig>
+          </a:scene3d>
+          <a:sp3d prstMaterial="plastic">
+            <a:bevelT w="381000" h="114300" prst="relaxedInset"/>
+            <a:contourClr>
+              <a:srgbClr val="969696"/>
+            </a:contourClr>
+          </a:sp3d>
+        </p:spPr>
+      </p:pic>
+      <p:sp>
+        <p:nvSpPr>
+          <p:cNvPr id="8" name="文本框 16">
+            <a:extLst>
+              <a:ext uri="{FF2B5EF4-FFF2-40B4-BE49-F238E27FC236}">
+                <a16:creationId xmlns:a16="http://schemas.microsoft.com/office/drawing/2014/main" id="{355F0367-E63C-BF8F-C89D-B23BD1B6F86C}"/>
+              </a:ext>
+            </a:extLst>
+          </p:cNvPr>
+          <p:cNvSpPr txBox="1"/>
+          <p:nvPr/>
+        </p:nvSpPr>
+        <p:spPr>
+          <a:xfrm>
+            <a:off x="2524272" y="1980298"/>
+            <a:ext cx="1821452" cy="307777"/>
+          </a:xfrm>
+          <a:prstGeom prst="rect">
+            <a:avLst/>
+          </a:prstGeom>
+          <a:noFill/>
+        </p:spPr>
+        <p:txBody>
+          <a:bodyPr wrap="square" rtlCol="0">
+            <a:spAutoFit/>
+          </a:bodyPr>
+          <a:lstStyle/>
+          <a:p>
+            <a:pPr lvl="0" algn="ctr"/>
+            <a:r>
+              <a:rPr lang="en-US" altLang="zh-CN" sz="1400" b="1" dirty="0">
+                <a:latin typeface="微软雅黑" panose="020B0503020204020204" charset="-122"/>
+                <a:ea typeface="微软雅黑" panose="020B0503020204020204" charset="-122"/>
+                <a:sym typeface="+mn-ea"/>
+              </a:rPr>
+              <a:t>Privacy Protection</a:t>
+            </a:r>
+            <a:endParaRPr lang="zh-CN" altLang="en-US" sz="1400" b="1" dirty="0">
+              <a:latin typeface="微软雅黑" panose="020B0503020204020204" charset="-122"/>
+              <a:ea typeface="微软雅黑" panose="020B0503020204020204" charset="-122"/>
+              <a:sym typeface="+mn-ea"/>
+            </a:endParaRPr>
+          </a:p>
+        </p:txBody>
+      </p:sp>
       <p:grpSp>
         <p:nvGrpSpPr>
           <p:cNvPr id="9" name="组合 20">
@@ -3596,7 +6838,7 @@
         </p:nvGrpSpPr>
         <p:grpSpPr>
           <a:xfrm>
-            <a:off x="5920105" y="933450"/>
+            <a:off x="7887811" y="973823"/>
             <a:ext cx="1653540" cy="1314450"/>
             <a:chOff x="10804" y="2171"/>
             <a:chExt cx="2604" cy="2070"/>
@@ -3627,9 +6869,27 @@
               <a:off x="11048" y="2171"/>
               <a:ext cx="2117" cy="1587"/>
             </a:xfrm>
-            <a:prstGeom prst="rect">
-              <a:avLst/>
+            <a:prstGeom prst="roundRect">
+              <a:avLst>
+                <a:gd name="adj" fmla="val 16667"/>
+              </a:avLst>
             </a:prstGeom>
+            <a:ln>
+              <a:noFill/>
+            </a:ln>
+            <a:effectLst/>
+            <a:scene3d>
+              <a:camera prst="orthographicFront"/>
+              <a:lightRig rig="contrasting" dir="t">
+                <a:rot lat="0" lon="0" rev="4200000"/>
+              </a:lightRig>
+            </a:scene3d>
+            <a:sp3d prstMaterial="plastic">
+              <a:bevelT w="381000" h="114300" prst="relaxedInset"/>
+              <a:contourClr>
+                <a:srgbClr val="969696"/>
+              </a:contourClr>
+            </a:sp3d>
           </p:spPr>
         </p:pic>
         <p:sp>
@@ -3662,13 +6922,18 @@
             <a:p>
               <a:pPr lvl="0" algn="ctr"/>
               <a:r>
-                <a:rPr lang="zh-CN" altLang="en-US" sz="1400">
+                <a:rPr lang="en-US" altLang="zh-CN" sz="1400" b="1" dirty="0">
                   <a:latin typeface="微软雅黑" panose="020B0503020204020204" charset="-122"/>
                   <a:ea typeface="微软雅黑" panose="020B0503020204020204" charset="-122"/>
                   <a:sym typeface="+mn-ea"/>
                 </a:rPr>
-                <a:t>人工智能安全</a:t>
+                <a:t>AI Security</a:t>
               </a:r>
+              <a:endParaRPr lang="zh-CN" altLang="en-US" sz="1400" b="1" dirty="0">
+                <a:latin typeface="微软雅黑" panose="020B0503020204020204" charset="-122"/>
+                <a:ea typeface="微软雅黑" panose="020B0503020204020204" charset="-122"/>
+                <a:sym typeface="+mn-ea"/>
+              </a:endParaRPr>
             </a:p>
           </p:txBody>
         </p:sp>
@@ -3687,10 +6952,10 @@
         </p:nvGrpSpPr>
         <p:grpSpPr>
           <a:xfrm>
-            <a:off x="6075045" y="2436495"/>
-            <a:ext cx="1344295" cy="1314450"/>
-            <a:chOff x="2587" y="2191"/>
-            <a:chExt cx="2117" cy="2070"/>
+            <a:off x="7103268" y="4394089"/>
+            <a:ext cx="1878965" cy="1510665"/>
+            <a:chOff x="2166" y="2191"/>
+            <a:chExt cx="2959" cy="2379"/>
           </a:xfrm>
         </p:grpSpPr>
         <p:pic>
@@ -3718,9 +6983,27 @@
               <a:off x="2587" y="2191"/>
               <a:ext cx="2117" cy="1587"/>
             </a:xfrm>
-            <a:prstGeom prst="rect">
-              <a:avLst/>
+            <a:prstGeom prst="roundRect">
+              <a:avLst>
+                <a:gd name="adj" fmla="val 16667"/>
+              </a:avLst>
             </a:prstGeom>
+            <a:ln>
+              <a:noFill/>
+            </a:ln>
+            <a:effectLst/>
+            <a:scene3d>
+              <a:camera prst="orthographicFront"/>
+              <a:lightRig rig="contrasting" dir="t">
+                <a:rot lat="0" lon="0" rev="4200000"/>
+              </a:lightRig>
+            </a:scene3d>
+            <a:sp3d prstMaterial="plastic">
+              <a:bevelT w="381000" h="114300" prst="relaxedInset"/>
+              <a:contourClr>
+                <a:srgbClr val="969696"/>
+              </a:contourClr>
+            </a:sp3d>
           </p:spPr>
         </p:pic>
         <p:sp>
@@ -3737,8 +7020,8 @@
           </p:nvSpPr>
           <p:spPr>
             <a:xfrm>
-              <a:off x="2605" y="3778"/>
-              <a:ext cx="2082" cy="483"/>
+              <a:off x="2166" y="3746"/>
+              <a:ext cx="2959" cy="824"/>
             </a:xfrm>
             <a:prstGeom prst="rect">
               <a:avLst/>
@@ -3753,114 +7036,76 @@
             <a:p>
               <a:pPr lvl="0" algn="ctr"/>
               <a:r>
-                <a:rPr lang="zh-CN" altLang="en-US" sz="1400">
+                <a:rPr lang="en-US" altLang="zh-CN" sz="1400" b="1" dirty="0">
                   <a:latin typeface="微软雅黑" panose="020B0503020204020204" charset="-122"/>
                   <a:ea typeface="微软雅黑" panose="020B0503020204020204" charset="-122"/>
                   <a:sym typeface="+mn-ea"/>
                 </a:rPr>
-                <a:t>硬件安全</a:t>
+                <a:t>Network and Hardware Security</a:t>
               </a:r>
+              <a:endParaRPr lang="zh-CN" altLang="en-US" sz="1400" b="1" dirty="0">
+                <a:latin typeface="微软雅黑" panose="020B0503020204020204" charset="-122"/>
+                <a:ea typeface="微软雅黑" panose="020B0503020204020204" charset="-122"/>
+                <a:sym typeface="+mn-ea"/>
+              </a:endParaRPr>
             </a:p>
           </p:txBody>
         </p:sp>
       </p:grpSp>
-      <p:grpSp>
-        <p:nvGrpSpPr>
-          <p:cNvPr id="15" name="组合 6">
+      <p:pic>
+        <p:nvPicPr>
+          <p:cNvPr id="21" name="图片 31">
             <a:extLst>
               <a:ext uri="{FF2B5EF4-FFF2-40B4-BE49-F238E27FC236}">
-                <a16:creationId xmlns:a16="http://schemas.microsoft.com/office/drawing/2014/main" id="{E63B091F-B377-AC7A-8C10-C8326C24F974}"/>
+                <a16:creationId xmlns:a16="http://schemas.microsoft.com/office/drawing/2014/main" id="{B375A7A1-E23D-1108-362C-17508ED27B1C}"/>
               </a:ext>
             </a:extLst>
           </p:cNvPr>
-          <p:cNvGrpSpPr/>
+          <p:cNvPicPr>
+            <a:picLocks noChangeAspect="1"/>
+          </p:cNvPicPr>
           <p:nvPr/>
-        </p:nvGrpSpPr>
-        <p:grpSpPr>
+        </p:nvPicPr>
+        <p:blipFill>
+          <a:blip r:embed="rId6"/>
+          <a:stretch>
+            <a:fillRect/>
+          </a:stretch>
+        </p:blipFill>
+        <p:spPr>
           <a:xfrm>
-            <a:off x="5753100" y="4970780"/>
-            <a:ext cx="1924050" cy="1314450"/>
-            <a:chOff x="8886" y="6803"/>
-            <a:chExt cx="3030" cy="2070"/>
+            <a:off x="2726202" y="2589309"/>
+            <a:ext cx="1344295" cy="1007745"/>
           </a:xfrm>
-        </p:grpSpPr>
-        <p:pic>
-          <p:nvPicPr>
-            <p:cNvPr id="16" name="图片 8">
-              <a:extLst>
-                <a:ext uri="{FF2B5EF4-FFF2-40B4-BE49-F238E27FC236}">
-                  <a16:creationId xmlns:a16="http://schemas.microsoft.com/office/drawing/2014/main" id="{78A52F65-8F7E-92D4-A896-5F4DD9607E02}"/>
-                </a:ext>
-              </a:extLst>
-            </p:cNvPr>
-            <p:cNvPicPr>
-              <a:picLocks noChangeAspect="1"/>
-            </p:cNvPicPr>
-            <p:nvPr/>
-          </p:nvPicPr>
-          <p:blipFill>
-            <a:blip r:embed="rId6"/>
-            <a:stretch>
-              <a:fillRect/>
-            </a:stretch>
-          </p:blipFill>
-          <p:spPr>
-            <a:xfrm>
-              <a:off x="9300" y="6803"/>
-              <a:ext cx="2117" cy="1587"/>
-            </a:xfrm>
-            <a:prstGeom prst="rect">
-              <a:avLst/>
-            </a:prstGeom>
-          </p:spPr>
-        </p:pic>
-        <p:sp>
-          <p:nvSpPr>
-            <p:cNvPr id="17" name="文本框 17">
-              <a:extLst>
-                <a:ext uri="{FF2B5EF4-FFF2-40B4-BE49-F238E27FC236}">
-                  <a16:creationId xmlns:a16="http://schemas.microsoft.com/office/drawing/2014/main" id="{0604D025-A8E4-DC79-967F-218AEE91CD7A}"/>
-                </a:ext>
-              </a:extLst>
-            </p:cNvPr>
-            <p:cNvSpPr txBox="1"/>
-            <p:nvPr/>
-          </p:nvSpPr>
-          <p:spPr>
-            <a:xfrm>
-              <a:off x="8886" y="8390"/>
-              <a:ext cx="3030" cy="483"/>
-            </a:xfrm>
-            <a:prstGeom prst="rect">
-              <a:avLst/>
-            </a:prstGeom>
+          <a:prstGeom prst="roundRect">
+            <a:avLst>
+              <a:gd name="adj" fmla="val 16667"/>
+            </a:avLst>
+          </a:prstGeom>
+          <a:ln>
             <a:noFill/>
-          </p:spPr>
-          <p:txBody>
-            <a:bodyPr wrap="square" rtlCol="0">
-              <a:spAutoFit/>
-            </a:bodyPr>
-            <a:lstStyle/>
-            <a:p>
-              <a:pPr lvl="0" algn="ctr"/>
-              <a:r>
-                <a:rPr lang="zh-CN" altLang="en-US" sz="1400">
-                  <a:latin typeface="微软雅黑" panose="020B0503020204020204" charset="-122"/>
-                  <a:ea typeface="微软雅黑" panose="020B0503020204020204" charset="-122"/>
-                  <a:sym typeface="+mn-ea"/>
-                </a:rPr>
-                <a:t>分布式机器学习</a:t>
-              </a:r>
-            </a:p>
-          </p:txBody>
-        </p:sp>
-      </p:grpSp>
+          </a:ln>
+          <a:effectLst/>
+          <a:scene3d>
+            <a:camera prst="orthographicFront"/>
+            <a:lightRig rig="contrasting" dir="t">
+              <a:rot lat="0" lon="0" rev="4200000"/>
+            </a:lightRig>
+          </a:scene3d>
+          <a:sp3d prstMaterial="plastic">
+            <a:bevelT w="381000" h="114300" prst="relaxedInset"/>
+            <a:contourClr>
+              <a:srgbClr val="969696"/>
+            </a:contourClr>
+          </a:sp3d>
+        </p:spPr>
+      </p:pic>
       <p:sp>
         <p:nvSpPr>
-          <p:cNvPr id="18" name="文本框 21">
+          <p:cNvPr id="22" name="文本框 32">
             <a:extLst>
               <a:ext uri="{FF2B5EF4-FFF2-40B4-BE49-F238E27FC236}">
-                <a16:creationId xmlns:a16="http://schemas.microsoft.com/office/drawing/2014/main" id="{9C72A563-A466-A5C8-41D9-3077843CC12A}"/>
+                <a16:creationId xmlns:a16="http://schemas.microsoft.com/office/drawing/2014/main" id="{64A82003-A87D-E32A-F894-5DB334234925}"/>
               </a:ext>
             </a:extLst>
           </p:cNvPr>
@@ -3869,291 +7114,49 @@
         </p:nvSpPr>
         <p:spPr>
           <a:xfrm>
-            <a:off x="7271386" y="4154805"/>
-            <a:ext cx="1099820" cy="368300"/>
+            <a:off x="2564912" y="3563943"/>
+            <a:ext cx="1746250" cy="307777"/>
           </a:xfrm>
           <a:prstGeom prst="rect">
             <a:avLst/>
           </a:prstGeom>
           <a:noFill/>
-          <a:ln>
-            <a:noFill/>
-          </a:ln>
         </p:spPr>
         <p:txBody>
-          <a:bodyPr wrap="none" rtlCol="0">
+          <a:bodyPr wrap="square" rtlCol="0">
             <a:spAutoFit/>
           </a:bodyPr>
           <a:lstStyle/>
           <a:p>
-            <a:pPr indent="0" algn="just" eaLnBrk="0" fontAlgn="auto" hangingPunct="0">
-              <a:spcBef>
-                <a:spcPts val="0"/>
-              </a:spcBef>
-              <a:spcAft>
-                <a:spcPts val="600"/>
-              </a:spcAft>
-              <a:buFont typeface="Arial" panose="020B0604020202090204" pitchFamily="34" charset="0"/>
-              <a:buNone/>
-            </a:pPr>
+            <a:pPr algn="ctr"/>
             <a:r>
-              <a:rPr lang="zh-CN" altLang="en-US" b="1" dirty="0">
-                <a:solidFill>
-                  <a:srgbClr val="FF0000"/>
-                </a:solidFill>
+              <a:rPr lang="en-US" altLang="zh-CN" sz="1400" b="1" dirty="0">
                 <a:latin typeface="微软雅黑" panose="020B0503020204020204" charset="-122"/>
                 <a:ea typeface="微软雅黑" panose="020B0503020204020204" charset="-122"/>
-                <a:cs typeface="微软雅黑" panose="020B0503020204020204" charset="-122"/>
                 <a:sym typeface="+mn-ea"/>
               </a:rPr>
-              <a:t>技术支撑</a:t>
+              <a:t>Big</a:t>
             </a:r>
-          </a:p>
-        </p:txBody>
-      </p:sp>
-      <p:sp>
-        <p:nvSpPr>
-          <p:cNvPr id="19" name="弧形 27">
-            <a:extLst>
-              <a:ext uri="{FF2B5EF4-FFF2-40B4-BE49-F238E27FC236}">
-                <a16:creationId xmlns:a16="http://schemas.microsoft.com/office/drawing/2014/main" id="{3734ACC0-D24B-A1C2-AF8D-D32BD3ACD341}"/>
-              </a:ext>
-            </a:extLst>
-          </p:cNvPr>
-          <p:cNvSpPr/>
-          <p:nvPr/>
-        </p:nvSpPr>
-        <p:spPr>
-          <a:xfrm rot="16200000">
-            <a:off x="3743960" y="2284730"/>
-            <a:ext cx="4051300" cy="2407285"/>
-          </a:xfrm>
-          <a:prstGeom prst="arc">
-            <a:avLst>
-              <a:gd name="adj1" fmla="val 10639317"/>
-              <a:gd name="adj2" fmla="val 107805"/>
-            </a:avLst>
-          </a:prstGeom>
-          <a:ln w="28575">
-            <a:solidFill>
-              <a:schemeClr val="accent1"/>
-            </a:solidFill>
-          </a:ln>
-        </p:spPr>
-        <p:style>
-          <a:lnRef idx="1">
-            <a:schemeClr val="accent1"/>
-          </a:lnRef>
-          <a:fillRef idx="0">
-            <a:schemeClr val="accent1"/>
-          </a:fillRef>
-          <a:effectRef idx="0">
-            <a:schemeClr val="accent1"/>
-          </a:effectRef>
-          <a:fontRef idx="minor">
-            <a:schemeClr val="tx1"/>
-          </a:fontRef>
-        </p:style>
-        <p:txBody>
-          <a:bodyPr rtlCol="0" anchor="ctr"/>
-          <a:lstStyle/>
-          <a:p>
-            <a:pPr algn="ctr"/>
-            <a:endParaRPr lang="zh-CN" altLang="en-US"/>
-          </a:p>
-        </p:txBody>
-      </p:sp>
-      <p:grpSp>
-        <p:nvGrpSpPr>
-          <p:cNvPr id="20" name="组合 33">
-            <a:extLst>
-              <a:ext uri="{FF2B5EF4-FFF2-40B4-BE49-F238E27FC236}">
-                <a16:creationId xmlns:a16="http://schemas.microsoft.com/office/drawing/2014/main" id="{929A4F5A-84F2-4A23-35B6-FA1ECBEFC10C}"/>
-              </a:ext>
-            </a:extLst>
-          </p:cNvPr>
-          <p:cNvGrpSpPr/>
-          <p:nvPr/>
-        </p:nvGrpSpPr>
-        <p:grpSpPr>
-          <a:xfrm>
-            <a:off x="953135" y="2436495"/>
-            <a:ext cx="1484630" cy="1314450"/>
-            <a:chOff x="11180" y="2132"/>
-            <a:chExt cx="2338" cy="2070"/>
-          </a:xfrm>
-        </p:grpSpPr>
-        <p:pic>
-          <p:nvPicPr>
-            <p:cNvPr id="21" name="图片 31">
-              <a:extLst>
-                <a:ext uri="{FF2B5EF4-FFF2-40B4-BE49-F238E27FC236}">
-                  <a16:creationId xmlns:a16="http://schemas.microsoft.com/office/drawing/2014/main" id="{B375A7A1-E23D-1108-362C-17508ED27B1C}"/>
-                </a:ext>
-              </a:extLst>
-            </p:cNvPr>
-            <p:cNvPicPr>
-              <a:picLocks noChangeAspect="1"/>
-            </p:cNvPicPr>
-            <p:nvPr/>
-          </p:nvPicPr>
-          <p:blipFill>
-            <a:blip r:embed="rId7"/>
-            <a:stretch>
-              <a:fillRect/>
-            </a:stretch>
-          </p:blipFill>
-          <p:spPr>
-            <a:xfrm>
-              <a:off x="11290" y="2132"/>
-              <a:ext cx="2117" cy="1587"/>
-            </a:xfrm>
-            <a:prstGeom prst="rect">
-              <a:avLst/>
-            </a:prstGeom>
-          </p:spPr>
-        </p:pic>
-        <p:sp>
-          <p:nvSpPr>
-            <p:cNvPr id="22" name="文本框 32">
-              <a:extLst>
-                <a:ext uri="{FF2B5EF4-FFF2-40B4-BE49-F238E27FC236}">
-                  <a16:creationId xmlns:a16="http://schemas.microsoft.com/office/drawing/2014/main" id="{64A82003-A87D-E32A-F894-5DB334234925}"/>
-                </a:ext>
-              </a:extLst>
-            </p:cNvPr>
-            <p:cNvSpPr txBox="1"/>
-            <p:nvPr/>
-          </p:nvSpPr>
-          <p:spPr>
-            <a:xfrm>
-              <a:off x="11180" y="3719"/>
-              <a:ext cx="2338" cy="483"/>
-            </a:xfrm>
-            <a:prstGeom prst="rect">
-              <a:avLst/>
-            </a:prstGeom>
-            <a:noFill/>
-          </p:spPr>
-          <p:txBody>
-            <a:bodyPr wrap="square" rtlCol="0">
-              <a:spAutoFit/>
-            </a:bodyPr>
-            <a:lstStyle/>
-            <a:p>
-              <a:pPr algn="ctr"/>
-              <a:r>
-                <a:rPr lang="zh-CN" altLang="en-US" sz="1400">
-                  <a:latin typeface="微软雅黑" panose="020B0503020204020204" charset="-122"/>
-                  <a:ea typeface="微软雅黑" panose="020B0503020204020204" charset="-122"/>
-                </a:rPr>
-                <a:t>云计算安全</a:t>
-              </a:r>
-            </a:p>
-          </p:txBody>
-        </p:sp>
-      </p:grpSp>
-      <p:sp>
-        <p:nvSpPr>
-          <p:cNvPr id="23" name="弧形 48">
-            <a:extLst>
-              <a:ext uri="{FF2B5EF4-FFF2-40B4-BE49-F238E27FC236}">
-                <a16:creationId xmlns:a16="http://schemas.microsoft.com/office/drawing/2014/main" id="{0540214F-72D3-A21C-7148-F15E736D3F91}"/>
-              </a:ext>
-            </a:extLst>
-          </p:cNvPr>
-          <p:cNvSpPr/>
-          <p:nvPr/>
-        </p:nvSpPr>
-        <p:spPr>
-          <a:xfrm rot="16200000">
-            <a:off x="633730" y="2276475"/>
-            <a:ext cx="4051300" cy="2407285"/>
-          </a:xfrm>
-          <a:prstGeom prst="arc">
-            <a:avLst>
-              <a:gd name="adj1" fmla="val 21589077"/>
-              <a:gd name="adj2" fmla="val 10835970"/>
-            </a:avLst>
-          </a:prstGeom>
-          <a:ln w="28575">
-            <a:solidFill>
-              <a:schemeClr val="accent1"/>
-            </a:solidFill>
-          </a:ln>
-        </p:spPr>
-        <p:style>
-          <a:lnRef idx="1">
-            <a:schemeClr val="accent1"/>
-          </a:lnRef>
-          <a:fillRef idx="0">
-            <a:schemeClr val="accent1"/>
-          </a:fillRef>
-          <a:effectRef idx="0">
-            <a:schemeClr val="accent1"/>
-          </a:effectRef>
-          <a:fontRef idx="minor">
-            <a:schemeClr val="tx1"/>
-          </a:fontRef>
-        </p:style>
-        <p:txBody>
-          <a:bodyPr rtlCol="0" anchor="ctr"/>
-          <a:lstStyle/>
-          <a:p>
-            <a:pPr algn="ctr"/>
-            <a:endParaRPr lang="zh-CN" altLang="en-US"/>
-          </a:p>
-        </p:txBody>
-      </p:sp>
-      <p:sp>
-        <p:nvSpPr>
-          <p:cNvPr id="24" name="弧形 49">
-            <a:extLst>
-              <a:ext uri="{FF2B5EF4-FFF2-40B4-BE49-F238E27FC236}">
-                <a16:creationId xmlns:a16="http://schemas.microsoft.com/office/drawing/2014/main" id="{B566DBFE-6879-D2AD-42BE-A777652C4D54}"/>
-              </a:ext>
-            </a:extLst>
-          </p:cNvPr>
-          <p:cNvSpPr/>
-          <p:nvPr/>
-        </p:nvSpPr>
-        <p:spPr>
-          <a:xfrm rot="16200000">
-            <a:off x="4974590" y="2872105"/>
-            <a:ext cx="1746885" cy="2407285"/>
-          </a:xfrm>
-          <a:prstGeom prst="arc">
-            <a:avLst>
-              <a:gd name="adj1" fmla="val 16110245"/>
-              <a:gd name="adj2" fmla="val 79750"/>
-            </a:avLst>
-          </a:prstGeom>
-          <a:ln w="28575">
-            <a:solidFill>
-              <a:schemeClr val="accent1"/>
-            </a:solidFill>
-          </a:ln>
-        </p:spPr>
-        <p:style>
-          <a:lnRef idx="1">
-            <a:schemeClr val="accent1"/>
-          </a:lnRef>
-          <a:fillRef idx="0">
-            <a:schemeClr val="accent1"/>
-          </a:fillRef>
-          <a:effectRef idx="0">
-            <a:schemeClr val="accent1"/>
-          </a:effectRef>
-          <a:fontRef idx="minor">
-            <a:schemeClr val="tx1"/>
-          </a:fontRef>
-        </p:style>
-        <p:txBody>
-          <a:bodyPr rtlCol="0" anchor="ctr"/>
-          <a:lstStyle/>
-          <a:p>
-            <a:pPr algn="ctr"/>
-            <a:endParaRPr lang="zh-CN" altLang="en-US"/>
+            <a:r>
+              <a:rPr lang="zh-CN" altLang="en-US" sz="1400" b="1" dirty="0">
+                <a:latin typeface="微软雅黑" panose="020B0503020204020204" charset="-122"/>
+                <a:ea typeface="微软雅黑" panose="020B0503020204020204" charset="-122"/>
+                <a:sym typeface="+mn-ea"/>
+              </a:rPr>
+              <a:t> </a:t>
+            </a:r>
+            <a:r>
+              <a:rPr lang="en-US" altLang="zh-CN" sz="1400" b="1" dirty="0">
+                <a:latin typeface="微软雅黑" panose="020B0503020204020204" charset="-122"/>
+                <a:ea typeface="微软雅黑" panose="020B0503020204020204" charset="-122"/>
+                <a:sym typeface="+mn-ea"/>
+              </a:rPr>
+              <a:t>Data Security</a:t>
+            </a:r>
+            <a:endParaRPr lang="zh-CN" altLang="en-US" sz="1400" b="1" dirty="0">
+              <a:latin typeface="微软雅黑" panose="020B0503020204020204" charset="-122"/>
+              <a:ea typeface="微软雅黑" panose="020B0503020204020204" charset="-122"/>
+            </a:endParaRPr>
           </a:p>
         </p:txBody>
       </p:sp>
@@ -4170,9 +7173,9 @@
           <p:nvPr/>
         </p:nvSpPr>
         <p:spPr>
-          <a:xfrm>
-            <a:off x="7723505" y="5005388"/>
-            <a:ext cx="459740" cy="1237615"/>
+          <a:xfrm rot="16200000">
+            <a:off x="1254174" y="4354807"/>
+            <a:ext cx="815608" cy="1424429"/>
           </a:xfrm>
           <a:prstGeom prst="rect">
             <a:avLst/>
@@ -4188,7 +7191,7 @@
           </a:bodyPr>
           <a:lstStyle/>
           <a:p>
-            <a:pPr indent="0" algn="just" eaLnBrk="0" fontAlgn="auto" hangingPunct="0">
+            <a:pPr indent="0" algn="ctr" eaLnBrk="0" fontAlgn="auto" hangingPunct="0">
               <a:spcBef>
                 <a:spcPts val="0"/>
               </a:spcBef>
@@ -4199,13 +7202,34 @@
               <a:buNone/>
             </a:pPr>
             <a:r>
-              <a:rPr lang="zh-CN" altLang="en-US" b="1" dirty="0">
+              <a:rPr lang="en-US" altLang="zh-CN" b="1" dirty="0">
                 <a:latin typeface="微软雅黑" panose="020B0503020204020204" charset="-122"/>
                 <a:ea typeface="微软雅黑" panose="020B0503020204020204" charset="-122"/>
                 <a:cs typeface="微软雅黑" panose="020B0503020204020204" charset="-122"/>
                 <a:sym typeface="+mn-ea"/>
               </a:rPr>
-              <a:t>理论与技术</a:t>
+              <a:t>Security</a:t>
+            </a:r>
+          </a:p>
+          <a:p>
+            <a:pPr indent="0" algn="ctr" eaLnBrk="0" fontAlgn="auto" hangingPunct="0">
+              <a:spcBef>
+                <a:spcPts val="0"/>
+              </a:spcBef>
+              <a:spcAft>
+                <a:spcPts val="600"/>
+              </a:spcAft>
+              <a:buFont typeface="Arial" panose="020B0604020202090204" pitchFamily="34" charset="0"/>
+              <a:buNone/>
+            </a:pPr>
+            <a:r>
+              <a:rPr lang="en-US" altLang="zh-CN" b="1" dirty="0">
+                <a:latin typeface="微软雅黑" panose="020B0503020204020204" charset="-122"/>
+                <a:ea typeface="微软雅黑" panose="020B0503020204020204" charset="-122"/>
+                <a:cs typeface="微软雅黑" panose="020B0503020204020204" charset="-122"/>
+                <a:sym typeface="+mn-ea"/>
+              </a:rPr>
+              <a:t>Foundation</a:t>
             </a:r>
             <a:endParaRPr lang="zh-CN" altLang="en-US" b="1" dirty="0">
               <a:solidFill>
@@ -4221,10 +7245,10 @@
       </p:sp>
       <p:sp>
         <p:nvSpPr>
-          <p:cNvPr id="26" name="矩形 52">
+          <p:cNvPr id="28" name="上箭头 54">
             <a:extLst>
               <a:ext uri="{FF2B5EF4-FFF2-40B4-BE49-F238E27FC236}">
-                <a16:creationId xmlns:a16="http://schemas.microsoft.com/office/drawing/2014/main" id="{6FE08F42-365D-9F33-B34D-471E96BD6473}"/>
+                <a16:creationId xmlns:a16="http://schemas.microsoft.com/office/drawing/2014/main" id="{6205CA33-1B48-B556-CE6E-0BDE51DDD3F3}"/>
               </a:ext>
             </a:extLst>
           </p:cNvPr>
@@ -4233,8 +7257,174 @@
         </p:nvSpPr>
         <p:spPr>
           <a:xfrm>
-            <a:off x="593090" y="781050"/>
-            <a:ext cx="7727315" cy="3001010"/>
+            <a:off x="5876601" y="3984298"/>
+            <a:ext cx="560070" cy="228225"/>
+          </a:xfrm>
+          <a:prstGeom prst="upArrow">
+            <a:avLst/>
+          </a:prstGeom>
+          <a:solidFill>
+            <a:schemeClr val="accent2"/>
+          </a:solidFill>
+          <a:ln>
+            <a:noFill/>
+          </a:ln>
+        </p:spPr>
+        <p:style>
+          <a:lnRef idx="2">
+            <a:schemeClr val="accent1">
+              <a:shade val="50000"/>
+            </a:schemeClr>
+          </a:lnRef>
+          <a:fillRef idx="1">
+            <a:schemeClr val="accent1"/>
+          </a:fillRef>
+          <a:effectRef idx="0">
+            <a:schemeClr val="accent1"/>
+          </a:effectRef>
+          <a:fontRef idx="minor">
+            <a:schemeClr val="lt1"/>
+          </a:fontRef>
+        </p:style>
+        <p:txBody>
+          <a:bodyPr rtlCol="0" anchor="ctr"/>
+          <a:lstStyle/>
+          <a:p>
+            <a:pPr algn="ctr"/>
+            <a:endParaRPr lang="zh-CN" altLang="en-US"/>
+          </a:p>
+        </p:txBody>
+      </p:sp>
+      <p:pic>
+        <p:nvPicPr>
+          <p:cNvPr id="32" name="Picture 31">
+            <a:extLst>
+              <a:ext uri="{FF2B5EF4-FFF2-40B4-BE49-F238E27FC236}">
+                <a16:creationId xmlns:a16="http://schemas.microsoft.com/office/drawing/2014/main" id="{F7B873CF-8FC0-CE5F-5F87-3CD1EF76D3BC}"/>
+              </a:ext>
+            </a:extLst>
+          </p:cNvPr>
+          <p:cNvPicPr>
+            <a:picLocks noChangeAspect="1"/>
+          </p:cNvPicPr>
+          <p:nvPr/>
+        </p:nvPicPr>
+        <p:blipFill>
+          <a:blip r:embed="rId7"/>
+          <a:stretch>
+            <a:fillRect/>
+          </a:stretch>
+        </p:blipFill>
+        <p:spPr>
+          <a:xfrm>
+            <a:off x="8042751" y="2588416"/>
+            <a:ext cx="1358745" cy="1036094"/>
+          </a:xfrm>
+          <a:prstGeom prst="roundRect">
+            <a:avLst>
+              <a:gd name="adj" fmla="val 16667"/>
+            </a:avLst>
+          </a:prstGeom>
+          <a:ln>
+            <a:noFill/>
+          </a:ln>
+          <a:effectLst/>
+          <a:scene3d>
+            <a:camera prst="orthographicFront"/>
+            <a:lightRig rig="contrasting" dir="t">
+              <a:rot lat="0" lon="0" rev="4200000"/>
+            </a:lightRig>
+          </a:scene3d>
+          <a:sp3d prstMaterial="plastic">
+            <a:bevelT w="381000" h="114300" prst="relaxedInset"/>
+            <a:contourClr>
+              <a:srgbClr val="969696"/>
+            </a:contourClr>
+          </a:sp3d>
+        </p:spPr>
+      </p:pic>
+      <p:sp>
+        <p:nvSpPr>
+          <p:cNvPr id="33" name="TextBox 32">
+            <a:extLst>
+              <a:ext uri="{FF2B5EF4-FFF2-40B4-BE49-F238E27FC236}">
+                <a16:creationId xmlns:a16="http://schemas.microsoft.com/office/drawing/2014/main" id="{113571AA-00FB-8AFA-69E1-A79E28AF0EDB}"/>
+              </a:ext>
+            </a:extLst>
+          </p:cNvPr>
+          <p:cNvSpPr txBox="1"/>
+          <p:nvPr/>
+        </p:nvSpPr>
+        <p:spPr>
+          <a:xfrm>
+            <a:off x="7761435" y="3600918"/>
+            <a:ext cx="2001510" cy="307777"/>
+          </a:xfrm>
+          <a:prstGeom prst="rect">
+            <a:avLst/>
+          </a:prstGeom>
+          <a:noFill/>
+        </p:spPr>
+        <p:txBody>
+          <a:bodyPr wrap="none" rtlCol="0">
+            <a:spAutoFit/>
+          </a:bodyPr>
+          <a:lstStyle/>
+          <a:p>
+            <a:r>
+              <a:rPr lang="en-CN" sz="1400" b="1" dirty="0">
+                <a:latin typeface="微软雅黑" panose="020B0503020204020204" charset="-122"/>
+                <a:ea typeface="微软雅黑" panose="020B0503020204020204" charset="-122"/>
+              </a:rPr>
+              <a:t>Multimedia Security</a:t>
+            </a:r>
+          </a:p>
+        </p:txBody>
+      </p:sp>
+      <p:graphicFrame>
+        <p:nvGraphicFramePr>
+          <p:cNvPr id="50" name="Diagram 49">
+            <a:extLst>
+              <a:ext uri="{FF2B5EF4-FFF2-40B4-BE49-F238E27FC236}">
+                <a16:creationId xmlns:a16="http://schemas.microsoft.com/office/drawing/2014/main" id="{71D42237-177B-DDAE-8FDB-AF135747E257}"/>
+              </a:ext>
+            </a:extLst>
+          </p:cNvPr>
+          <p:cNvGraphicFramePr/>
+          <p:nvPr>
+            <p:extLst>
+              <p:ext uri="{D42A27DB-BD31-4B8C-83A1-F6EECF244321}">
+                <p14:modId xmlns:p14="http://schemas.microsoft.com/office/powerpoint/2010/main" val="3526844191"/>
+              </p:ext>
+            </p:extLst>
+          </p:nvPr>
+        </p:nvGraphicFramePr>
+        <p:xfrm>
+          <a:off x="4472452" y="832048"/>
+          <a:ext cx="3288631" cy="3294025"/>
+        </p:xfrm>
+        <a:graphic>
+          <a:graphicData uri="http://schemas.openxmlformats.org/drawingml/2006/diagram">
+            <dgm:relIds xmlns:dgm="http://schemas.openxmlformats.org/drawingml/2006/diagram" xmlns:r="http://schemas.openxmlformats.org/officeDocument/2006/relationships" r:dm="rId8" r:lo="rId9" r:qs="rId10" r:cs="rId11"/>
+          </a:graphicData>
+        </a:graphic>
+      </p:graphicFrame>
+      <p:sp>
+        <p:nvSpPr>
+          <p:cNvPr id="23" name="矩形 3">
+            <a:extLst>
+              <a:ext uri="{FF2B5EF4-FFF2-40B4-BE49-F238E27FC236}">
+                <a16:creationId xmlns:a16="http://schemas.microsoft.com/office/drawing/2014/main" id="{44629EF6-7BCC-976C-93FB-A29CA19DE526}"/>
+              </a:ext>
+            </a:extLst>
+          </p:cNvPr>
+          <p:cNvSpPr/>
+          <p:nvPr/>
+        </p:nvSpPr>
+        <p:spPr>
+          <a:xfrm>
+            <a:off x="2524272" y="832048"/>
+            <a:ext cx="7143454" cy="3152250"/>
           </a:xfrm>
           <a:prstGeom prst="rect">
             <a:avLst/>
@@ -4268,16 +7458,77 @@
           <a:lstStyle/>
           <a:p>
             <a:pPr algn="ctr"/>
-            <a:endParaRPr lang="zh-CN" altLang="en-US"/>
+            <a:r>
+              <a:rPr lang="en-US" altLang="zh-CN" dirty="0"/>
+              <a:t>multimedia security</a:t>
+            </a:r>
+            <a:endParaRPr lang="zh-CN" altLang="en-US" dirty="0"/>
           </a:p>
         </p:txBody>
       </p:sp>
+      <p:pic>
+        <p:nvPicPr>
+          <p:cNvPr id="1028" name="Picture 4" descr="Big Data EN - Nextar Group">
+            <a:extLst>
+              <a:ext uri="{FF2B5EF4-FFF2-40B4-BE49-F238E27FC236}">
+                <a16:creationId xmlns:a16="http://schemas.microsoft.com/office/drawing/2014/main" id="{593D8A60-27AA-4D58-579C-C02EC15909B1}"/>
+              </a:ext>
+            </a:extLst>
+          </p:cNvPr>
+          <p:cNvPicPr>
+            <a:picLocks noChangeAspect="1" noChangeArrowheads="1"/>
+          </p:cNvPicPr>
+          <p:nvPr/>
+        </p:nvPicPr>
+        <p:blipFill>
+          <a:blip r:embed="rId13">
+            <a:clrChange>
+              <a:clrFrom>
+                <a:srgbClr val="FFFFFF"/>
+              </a:clrFrom>
+              <a:clrTo>
+                <a:srgbClr val="FFFFFF">
+                  <a:alpha val="0"/>
+                </a:srgbClr>
+              </a:clrTo>
+            </a:clrChange>
+            <a:extLst>
+              <a:ext uri="{28A0092B-C50C-407E-A947-70E740481C1C}">
+                <a14:useLocalDpi xmlns:a14="http://schemas.microsoft.com/office/drawing/2010/main" val="0"/>
+              </a:ext>
+            </a:extLst>
+          </a:blip>
+          <a:srcRect/>
+          <a:stretch>
+            <a:fillRect/>
+          </a:stretch>
+        </p:blipFill>
+        <p:spPr bwMode="auto">
+          <a:xfrm>
+            <a:off x="5242277" y="1847258"/>
+            <a:ext cx="1707445" cy="1111682"/>
+          </a:xfrm>
+          <a:prstGeom prst="rect">
+            <a:avLst/>
+          </a:prstGeom>
+          <a:noFill/>
+          <a:extLst>
+            <a:ext uri="{909E8E84-426E-40DD-AFC4-6F175D3DCCD1}">
+              <a14:hiddenFill xmlns:a14="http://schemas.microsoft.com/office/drawing/2010/main">
+                <a:solidFill>
+                  <a:srgbClr val="FFFFFF"/>
+                </a:solidFill>
+              </a14:hiddenFill>
+            </a:ext>
+          </a:extLst>
+        </p:spPr>
+      </p:pic>
       <p:sp>
         <p:nvSpPr>
-          <p:cNvPr id="27" name="文本框 53">
+          <p:cNvPr id="26" name="文本框 51">
             <a:extLst>
               <a:ext uri="{FF2B5EF4-FFF2-40B4-BE49-F238E27FC236}">
-                <a16:creationId xmlns:a16="http://schemas.microsoft.com/office/drawing/2014/main" id="{419414CD-920F-537A-ECEC-6AAB9460787D}"/>
+                <a16:creationId xmlns:a16="http://schemas.microsoft.com/office/drawing/2014/main" id="{E2D57F5E-E712-C899-8FF1-DB97136A1612}"/>
               </a:ext>
             </a:extLst>
           </p:cNvPr>
@@ -4285,9 +7536,9 @@
           <p:nvPr/>
         </p:nvSpPr>
         <p:spPr>
-          <a:xfrm>
-            <a:off x="7723505" y="1723708"/>
-            <a:ext cx="459740" cy="1237615"/>
+          <a:xfrm rot="16200000">
+            <a:off x="1077203" y="1456437"/>
+            <a:ext cx="1169551" cy="1663276"/>
           </a:xfrm>
           <a:prstGeom prst="rect">
             <a:avLst/>
@@ -4303,6 +7554,27 @@
           </a:bodyPr>
           <a:lstStyle/>
           <a:p>
+            <a:pPr indent="0" algn="ctr" eaLnBrk="0" fontAlgn="auto" hangingPunct="0">
+              <a:spcBef>
+                <a:spcPts val="0"/>
+              </a:spcBef>
+              <a:spcAft>
+                <a:spcPts val="600"/>
+              </a:spcAft>
+              <a:buFont typeface="Arial" panose="020B0604020202090204" pitchFamily="34" charset="0"/>
+              <a:buNone/>
+            </a:pPr>
+            <a:r>
+              <a:rPr lang="en-US" altLang="zh-CN" b="1" dirty="0">
+                <a:latin typeface="微软雅黑" panose="020B0503020204020204" charset="-122"/>
+                <a:ea typeface="微软雅黑" panose="020B0503020204020204" charset="-122"/>
+                <a:cs typeface="微软雅黑" panose="020B0503020204020204" charset="-122"/>
+                <a:sym typeface="+mn-ea"/>
+              </a:rPr>
+              <a:t>Security</a:t>
+            </a:r>
+          </a:p>
+          <a:p>
             <a:pPr indent="0" algn="just" eaLnBrk="0" fontAlgn="auto" hangingPunct="0">
               <a:spcBef>
                 <a:spcPts val="0"/>
@@ -4314,185 +7586,34 @@
               <a:buNone/>
             </a:pPr>
             <a:r>
-              <a:rPr lang="zh-CN" altLang="en-US" b="1" dirty="0">
+              <a:rPr lang="en-US" altLang="zh-CN" b="1" dirty="0">
                 <a:latin typeface="微软雅黑" panose="020B0503020204020204" charset="-122"/>
                 <a:ea typeface="微软雅黑" panose="020B0503020204020204" charset="-122"/>
                 <a:cs typeface="微软雅黑" panose="020B0503020204020204" charset="-122"/>
                 <a:sym typeface="+mn-ea"/>
               </a:rPr>
-              <a:t>需求与应用</a:t>
+              <a:t>Enhancement</a:t>
             </a:r>
-            <a:endParaRPr lang="zh-CN" altLang="en-US" b="1" dirty="0">
-              <a:solidFill>
-                <a:srgbClr val="FF0000"/>
-              </a:solidFill>
-              <a:latin typeface="微软雅黑" panose="020B0503020204020204" charset="-122"/>
-              <a:ea typeface="微软雅黑" panose="020B0503020204020204" charset="-122"/>
-              <a:cs typeface="微软雅黑" panose="020B0503020204020204" charset="-122"/>
-              <a:sym typeface="+mn-ea"/>
-            </a:endParaRPr>
-          </a:p>
-        </p:txBody>
-      </p:sp>
-      <p:sp>
-        <p:nvSpPr>
-          <p:cNvPr id="28" name="上箭头 54">
-            <a:extLst>
-              <a:ext uri="{FF2B5EF4-FFF2-40B4-BE49-F238E27FC236}">
-                <a16:creationId xmlns:a16="http://schemas.microsoft.com/office/drawing/2014/main" id="{6205CA33-1B48-B556-CE6E-0BDE51DDD3F3}"/>
-              </a:ext>
-            </a:extLst>
-          </p:cNvPr>
-          <p:cNvSpPr/>
-          <p:nvPr/>
-        </p:nvSpPr>
-        <p:spPr>
-          <a:xfrm>
-            <a:off x="6616700" y="4048760"/>
-            <a:ext cx="560070" cy="534670"/>
-          </a:xfrm>
-          <a:prstGeom prst="upArrow">
-            <a:avLst/>
-          </a:prstGeom>
-          <a:solidFill>
-            <a:schemeClr val="accent2"/>
-          </a:solidFill>
-          <a:ln>
-            <a:noFill/>
-          </a:ln>
-        </p:spPr>
-        <p:style>
-          <a:lnRef idx="2">
-            <a:schemeClr val="accent1">
-              <a:shade val="50000"/>
-            </a:schemeClr>
-          </a:lnRef>
-          <a:fillRef idx="1">
-            <a:schemeClr val="accent1"/>
-          </a:fillRef>
-          <a:effectRef idx="0">
-            <a:schemeClr val="accent1"/>
-          </a:effectRef>
-          <a:fontRef idx="minor">
-            <a:schemeClr val="lt1"/>
-          </a:fontRef>
-        </p:style>
-        <p:txBody>
-          <a:bodyPr rtlCol="0" anchor="ctr"/>
-          <a:lstStyle/>
-          <a:p>
-            <a:pPr algn="ctr"/>
-            <a:endParaRPr lang="zh-CN" altLang="en-US"/>
-          </a:p>
-        </p:txBody>
-      </p:sp>
-      <p:sp>
-        <p:nvSpPr>
-          <p:cNvPr id="29" name="弧形 55">
-            <a:extLst>
-              <a:ext uri="{FF2B5EF4-FFF2-40B4-BE49-F238E27FC236}">
-                <a16:creationId xmlns:a16="http://schemas.microsoft.com/office/drawing/2014/main" id="{5CDC43F0-63BE-B803-B0C0-35013D30D070}"/>
-              </a:ext>
-            </a:extLst>
-          </p:cNvPr>
-          <p:cNvSpPr/>
-          <p:nvPr/>
-        </p:nvSpPr>
-        <p:spPr>
-          <a:xfrm rot="16200000">
-            <a:off x="1699895" y="2884805"/>
-            <a:ext cx="1746885" cy="2407285"/>
-          </a:xfrm>
-          <a:prstGeom prst="arc">
-            <a:avLst>
-              <a:gd name="adj1" fmla="val 21517799"/>
-              <a:gd name="adj2" fmla="val 5467305"/>
-            </a:avLst>
-          </a:prstGeom>
-          <a:ln w="28575">
-            <a:solidFill>
-              <a:schemeClr val="accent1"/>
-            </a:solidFill>
-          </a:ln>
-        </p:spPr>
-        <p:style>
-          <a:lnRef idx="1">
-            <a:schemeClr val="accent1"/>
-          </a:lnRef>
-          <a:fillRef idx="0">
-            <a:schemeClr val="accent1"/>
-          </a:fillRef>
-          <a:effectRef idx="0">
-            <a:schemeClr val="accent1"/>
-          </a:effectRef>
-          <a:fontRef idx="minor">
-            <a:schemeClr val="tx1"/>
-          </a:fontRef>
-        </p:style>
-        <p:txBody>
-          <a:bodyPr rtlCol="0" anchor="ctr"/>
-          <a:lstStyle/>
-          <a:p>
-            <a:pPr algn="ctr"/>
-            <a:endParaRPr lang="zh-CN" altLang="en-US"/>
-          </a:p>
-        </p:txBody>
-      </p:sp>
-      <p:sp>
-        <p:nvSpPr>
-          <p:cNvPr id="30" name="圆角矩形 14">
-            <a:extLst>
-              <a:ext uri="{FF2B5EF4-FFF2-40B4-BE49-F238E27FC236}">
-                <a16:creationId xmlns:a16="http://schemas.microsoft.com/office/drawing/2014/main" id="{3CCD4887-4985-1708-F96A-3BFDCCB387FE}"/>
-              </a:ext>
-            </a:extLst>
-          </p:cNvPr>
-          <p:cNvSpPr/>
-          <p:nvPr/>
-        </p:nvSpPr>
-        <p:spPr>
-          <a:xfrm>
-            <a:off x="3025140" y="4106545"/>
-            <a:ext cx="2440305" cy="417830"/>
-          </a:xfrm>
-          <a:prstGeom prst="roundRect">
-            <a:avLst/>
-          </a:prstGeom>
-          <a:ln>
-            <a:noFill/>
-          </a:ln>
-        </p:spPr>
-        <p:style>
-          <a:lnRef idx="2">
-            <a:schemeClr val="accent1">
-              <a:shade val="50000"/>
-            </a:schemeClr>
-          </a:lnRef>
-          <a:fillRef idx="1">
-            <a:schemeClr val="accent1"/>
-          </a:fillRef>
-          <a:effectRef idx="0">
-            <a:schemeClr val="accent1"/>
-          </a:effectRef>
-          <a:fontRef idx="minor">
-            <a:schemeClr val="lt1"/>
-          </a:fontRef>
-        </p:style>
-        <p:txBody>
-          <a:bodyPr rtlCol="0" anchor="ctr"/>
-          <a:lstStyle/>
-          <a:p>
-            <a:pPr algn="ctr"/>
+          </a:p>
+          <a:p>
+            <a:pPr indent="0" algn="ctr" eaLnBrk="0" fontAlgn="auto" hangingPunct="0">
+              <a:spcBef>
+                <a:spcPts val="0"/>
+              </a:spcBef>
+              <a:spcAft>
+                <a:spcPts val="600"/>
+              </a:spcAft>
+              <a:buFont typeface="Arial" panose="020B0604020202090204" pitchFamily="34" charset="0"/>
+              <a:buNone/>
+            </a:pPr>
             <a:r>
-              <a:rPr lang="zh-CN" altLang="en-US" sz="1600">
-                <a:solidFill>
-                  <a:schemeClr val="bg1"/>
-                </a:solidFill>
+              <a:rPr lang="en-US" altLang="zh-CN" b="1" dirty="0">
                 <a:latin typeface="微软雅黑" panose="020B0503020204020204" charset="-122"/>
                 <a:ea typeface="微软雅黑" panose="020B0503020204020204" charset="-122"/>
+                <a:cs typeface="微软雅黑" panose="020B0503020204020204" charset="-122"/>
                 <a:sym typeface="+mn-ea"/>
               </a:rPr>
-              <a:t>计算智能与信息安全</a:t>
+              <a:t>Techniques</a:t>
             </a:r>
           </a:p>
         </p:txBody>
